--- a/SeminarSlides.pptx
+++ b/SeminarSlides.pptx
@@ -5838,11 +5838,7 @@
           <a:p>
             <a:r>
               <a:rPr lang="en-AU" baseline="0" dirty="0" smtClean="0"/>
-              <a:t>While </a:t>
-            </a:r>
-            <a:r>
-              <a:rPr lang="en-AU" baseline="0" dirty="0" smtClean="0"/>
-              <a:t>we predominately investigated proteomic content, another interesting finding that indicated microRNAs may also be used in this role. </a:t>
+              <a:t>While we predominately investigated proteomic content, another interesting finding that indicated microRNAs may also be used in this role. </a:t>
             </a:r>
             <a:endParaRPr lang="en-AU" dirty="0"/>
           </a:p>
@@ -14107,11 +14103,7 @@
             </a:r>
             <a:r>
               <a:rPr lang="en-US" sz="3600" dirty="0" smtClean="0"/>
-              <a:t> as a viable </a:t>
-            </a:r>
-            <a:r>
-              <a:rPr lang="en-US" sz="3600" dirty="0" smtClean="0"/>
-              <a:t>export protein</a:t>
+              <a:t> as a viable export protein</a:t>
             </a:r>
             <a:endParaRPr lang="en-AU" sz="3600" dirty="0"/>
           </a:p>
@@ -14130,12 +14122,12 @@
         <p:spPr>
           <a:xfrm>
             <a:off x="541094" y="1813598"/>
-            <a:ext cx="8409476" cy="4195481"/>
+            <a:ext cx="7155106" cy="4288264"/>
           </a:xfrm>
         </p:spPr>
         <p:txBody>
           <a:bodyPr>
-            <a:normAutofit/>
+            <a:normAutofit lnSpcReduction="10000"/>
           </a:bodyPr>
           <a:lstStyle/>
           <a:p>
@@ -14145,11 +14137,7 @@
             </a:r>
             <a:r>
               <a:rPr lang="en-US" dirty="0" smtClean="0"/>
-              <a:t> predicted to match to the selective exported motif (p=0.0435, via FIMO prediction)</a:t>
-            </a:r>
-            <a:r>
-              <a:rPr lang="en-US" dirty="0" smtClean="0"/>
-              <a:t>. </a:t>
+              <a:t> predicted to match to the selective exported motif (p=0.0435, via FIMO prediction). </a:t>
             </a:r>
             <a:endParaRPr lang="en-US" sz="1200" dirty="0" smtClean="0"/>
           </a:p>
@@ -14237,7 +14225,7 @@
       </p:sp>
       <p:pic>
         <p:nvPicPr>
-          <p:cNvPr id="5" name="Picture 4"/>
+          <p:cNvPr id="4" name="Picture 3"/>
           <p:cNvPicPr>
             <a:picLocks noChangeAspect="1"/>
           </p:cNvPicPr>
@@ -14251,8 +14239,8 @@
         </p:blipFill>
         <p:spPr>
           <a:xfrm>
-            <a:off x="5888647" y="1672921"/>
-            <a:ext cx="5857875" cy="3648075"/>
+            <a:off x="7854462" y="2713160"/>
+            <a:ext cx="4114800" cy="1924050"/>
           </a:xfrm>
           <a:prstGeom prst="rect">
             <a:avLst/>
@@ -15090,11 +15078,7 @@
           <a:p>
             <a:r>
               <a:rPr lang="en-US" sz="2400" dirty="0" smtClean="0"/>
-              <a:t>Scrambled-148a </a:t>
-            </a:r>
-            <a:r>
-              <a:rPr lang="en-US" sz="2400" dirty="0" smtClean="0"/>
-              <a:t>as control. Won’t bind </a:t>
+              <a:t>Scrambled-148a as control. Won’t bind </a:t>
             </a:r>
             <a:r>
               <a:rPr lang="en-US" sz="2400" dirty="0" err="1" smtClean="0"/>
@@ -17677,19 +17661,7 @@
           <a:p>
             <a:r>
               <a:rPr lang="en-AU" dirty="0" smtClean="0"/>
-              <a:t>Cav1 overexpression </a:t>
-            </a:r>
-            <a:r>
-              <a:rPr lang="en-AU" dirty="0" smtClean="0"/>
-              <a:t>in advanced prostate cancer, PC3, cells </a:t>
-            </a:r>
-            <a:r>
-              <a:rPr lang="en-AU" dirty="0" smtClean="0"/>
-              <a:t>linked </a:t>
-            </a:r>
-            <a:r>
-              <a:rPr lang="en-AU" dirty="0" smtClean="0"/>
-              <a:t>to metastasis.</a:t>
+              <a:t>Cav1 overexpression in advanced prostate cancer, PC3, cells linked to metastasis.</a:t>
             </a:r>
           </a:p>
           <a:p>
@@ -17710,15 +17682,7 @@
           <a:p>
             <a:r>
               <a:rPr lang="en-US" dirty="0" smtClean="0"/>
-              <a:t>Knockdown or addition of cavin-1 </a:t>
-            </a:r>
-            <a:r>
-              <a:rPr lang="en-US" dirty="0" smtClean="0"/>
-              <a:t>in PC3 reduces aggressiveness.</a:t>
-            </a:r>
-            <a:r>
-              <a:rPr lang="en-US" dirty="0" smtClean="0"/>
-              <a:t>					</a:t>
+              <a:t>Knockdown or addition of cavin-1 in PC3 reduces aggressiveness.					</a:t>
             </a:r>
             <a:r>
               <a:rPr lang="en-US" sz="1400" dirty="0" smtClean="0"/>
@@ -17766,7 +17730,7 @@
         </p:blipFill>
         <p:spPr bwMode="auto">
           <a:xfrm>
-            <a:off x="992252" y="4001257"/>
+            <a:off x="889234" y="4001257"/>
             <a:ext cx="3742471" cy="1937613"/>
           </a:xfrm>
           <a:prstGeom prst="rect">
@@ -17796,7 +17760,7 @@
         </p:blipFill>
         <p:spPr bwMode="auto">
           <a:xfrm>
-            <a:off x="992253" y="1719026"/>
+            <a:off x="889234" y="1734840"/>
             <a:ext cx="3742471" cy="1904764"/>
           </a:xfrm>
           <a:prstGeom prst="rect">
@@ -17879,7 +17843,7 @@
         </p:nvSpPr>
         <p:spPr>
           <a:xfrm>
-            <a:off x="2745904" y="5100506"/>
+            <a:off x="2642886" y="5020618"/>
             <a:ext cx="300082" cy="369332"/>
           </a:xfrm>
           <a:prstGeom prst="rect">
@@ -17985,7 +17949,7 @@
         </p:nvSpPr>
         <p:spPr>
           <a:xfrm>
-            <a:off x="5348472" y="1853248"/>
+            <a:off x="5348472" y="2081552"/>
             <a:ext cx="6471493" cy="4195481"/>
           </a:xfrm>
         </p:spPr>
@@ -18044,11 +18008,7 @@
           <a:p>
             <a:r>
               <a:rPr lang="en-AU" dirty="0" smtClean="0"/>
-              <a:t>Intercellular </a:t>
-            </a:r>
-            <a:r>
-              <a:rPr lang="en-AU" dirty="0" smtClean="0"/>
-              <a:t>communication by transfer of cytoplasmic </a:t>
+              <a:t>Intercellular communication by transfer of cytoplasmic </a:t>
             </a:r>
             <a:r>
               <a:rPr lang="en-AU" dirty="0"/>
@@ -18084,11 +18044,7 @@
           <a:p>
             <a:r>
               <a:rPr lang="en-AU" dirty="0" smtClean="0"/>
-              <a:t>Cavin-1 modulated EV protein </a:t>
-            </a:r>
-            <a:r>
-              <a:rPr lang="en-AU" dirty="0" smtClean="0"/>
-              <a:t>and microRNA content.					</a:t>
+              <a:t>Cavin-1 modulated EV protein and microRNA content.					</a:t>
             </a:r>
             <a:r>
               <a:rPr lang="en-AU" sz="1100" dirty="0" smtClean="0"/>
@@ -18100,11 +18056,7 @@
             </a:r>
             <a:r>
               <a:rPr lang="en-AU" sz="1100" dirty="0" smtClean="0"/>
-              <a:t> 2014</a:t>
-            </a:r>
-            <a:r>
-              <a:rPr lang="en-AU" sz="1100" dirty="0" smtClean="0"/>
-              <a:t>)</a:t>
+              <a:t> 2014)</a:t>
             </a:r>
           </a:p>
           <a:p>
@@ -18256,35 +18208,6 @@
           </a:p>
         </p:txBody>
       </p:sp>
-      <p:pic>
-        <p:nvPicPr>
-          <p:cNvPr id="4" name="Picture 3"/>
-          <p:cNvPicPr>
-            <a:picLocks noChangeAspect="1"/>
-          </p:cNvPicPr>
-          <p:nvPr/>
-        </p:nvPicPr>
-        <p:blipFill rotWithShape="1">
-          <a:blip r:embed="rId3">
-            <a:extLst>
-              <a:ext uri="{28A0092B-C50C-407E-A947-70E740481C1C}">
-                <a14:useLocalDpi xmlns:a14="http://schemas.microsoft.com/office/drawing/2010/main" val="0"/>
-              </a:ext>
-            </a:extLst>
-          </a:blip>
-          <a:srcRect b="13876"/>
-          <a:stretch/>
-        </p:blipFill>
-        <p:spPr>
-          <a:xfrm>
-            <a:off x="7792792" y="1456196"/>
-            <a:ext cx="3048124" cy="2324359"/>
-          </a:xfrm>
-          <a:prstGeom prst="rect">
-            <a:avLst/>
-          </a:prstGeom>
-        </p:spPr>
-      </p:pic>
       <p:sp>
         <p:nvSpPr>
           <p:cNvPr id="5" name="TextBox 4"/>
@@ -18293,7 +18216,7 @@
         </p:nvSpPr>
         <p:spPr>
           <a:xfrm>
-            <a:off x="9823986" y="5878871"/>
+            <a:off x="9220295" y="6258137"/>
             <a:ext cx="1207382" cy="307777"/>
           </a:xfrm>
           <a:prstGeom prst="rect">
@@ -18326,6 +18249,30 @@
       <p:pic>
         <p:nvPicPr>
           <p:cNvPr id="6" name="Picture 5"/>
+          <p:cNvPicPr>
+            <a:picLocks noChangeAspect="1"/>
+          </p:cNvPicPr>
+          <p:nvPr/>
+        </p:nvPicPr>
+        <p:blipFill>
+          <a:blip r:embed="rId3"/>
+          <a:stretch>
+            <a:fillRect/>
+          </a:stretch>
+        </p:blipFill>
+        <p:spPr>
+          <a:xfrm>
+            <a:off x="1059350" y="1461792"/>
+            <a:ext cx="4800600" cy="4638675"/>
+          </a:xfrm>
+          <a:prstGeom prst="rect">
+            <a:avLst/>
+          </a:prstGeom>
+        </p:spPr>
+      </p:pic>
+      <p:pic>
+        <p:nvPicPr>
+          <p:cNvPr id="7" name="Picture 6"/>
           <p:cNvPicPr>
             <a:picLocks noChangeAspect="1"/>
           </p:cNvPicPr>
@@ -18339,8 +18286,8 @@
         </p:blipFill>
         <p:spPr>
           <a:xfrm>
-            <a:off x="646111" y="3083920"/>
-            <a:ext cx="4800600" cy="4638675"/>
+            <a:off x="6786555" y="1473983"/>
+            <a:ext cx="3171717" cy="4784154"/>
           </a:xfrm>
           <a:prstGeom prst="rect">
             <a:avLst/>
@@ -18384,25 +18331,6 @@
           <a:chExt cx="0" cy="0"/>
         </a:xfrm>
       </p:grpSpPr>
-      <p:sp>
-        <p:nvSpPr>
-          <p:cNvPr id="2" name="Title 1"/>
-          <p:cNvSpPr>
-            <a:spLocks noGrp="1"/>
-          </p:cNvSpPr>
-          <p:nvPr>
-            <p:ph type="title"/>
-          </p:nvPr>
-        </p:nvSpPr>
-        <p:spPr/>
-        <p:txBody>
-          <a:bodyPr/>
-          <a:lstStyle/>
-          <a:p>
-            <a:endParaRPr lang="en-AU" dirty="0"/>
-          </a:p>
-        </p:txBody>
-      </p:sp>
       <p:sp>
         <p:nvSpPr>
           <p:cNvPr id="5" name="TextBox 4"/>
@@ -19377,11 +19305,7 @@
             <a:pPr algn="r"/>
             <a:r>
               <a:rPr lang="en-AU" dirty="0" smtClean="0"/>
-              <a:t>Mann-Whitney </a:t>
-            </a:r>
-            <a:r>
-              <a:rPr lang="en-AU" dirty="0" smtClean="0"/>
-              <a:t>U test</a:t>
+              <a:t>Mann-Whitney U test</a:t>
             </a:r>
             <a:endParaRPr lang="en-AU" dirty="0"/>
           </a:p>

--- a/SeminarSlides.pptx
+++ b/SeminarSlides.pptx
@@ -134,6 +134,18 @@
     </p:ext>
   </p:extLst>
 </p:presentation>
+</file>
+
+<file path=ppt/commentAuthors.xml><?xml version="1.0" encoding="utf-8"?>
+<p:cmAuthorLst xmlns:a="http://schemas.openxmlformats.org/drawingml/2006/main" xmlns:r="http://schemas.openxmlformats.org/officeDocument/2006/relationships" xmlns:p="http://schemas.openxmlformats.org/presentationml/2006/main">
+  <p:cmAuthor id="1" name="Harley Robinson " initials="HR" lastIdx="1" clrIdx="0">
+    <p:extLst>
+      <p:ext uri="{19B8F6BF-5375-455C-9EA6-DF929625EA0E}">
+        <p15:presenceInfo xmlns:p15="http://schemas.microsoft.com/office/powerpoint/2012/main" userId="S-1-5-21-157896902-3385474465-166438253-7298" providerId="AD"/>
+      </p:ext>
+    </p:extLst>
+  </p:cmAuthor>
+</p:cmAuthorLst>
 </file>
 
 <file path=ppt/diagrams/colors1.xml><?xml version="1.0" encoding="utf-8"?>
@@ -4542,7 +4554,7 @@
           <a:p>
             <a:fld id="{7DE09EE5-A3A6-46CD-82C4-C5653BD8F5FF}" type="datetimeFigureOut">
               <a:rPr lang="en-AU" smtClean="0"/>
-              <a:t>3/11/2016</a:t>
+              <a:t>4/11/2016</a:t>
             </a:fld>
             <a:endParaRPr lang="en-AU"/>
           </a:p>
@@ -5296,15 +5308,7 @@
             </a:r>
             <a:r>
               <a:rPr lang="en-US" baseline="0" dirty="0" smtClean="0"/>
-              <a:t> may be better suited for this role… Linker: together, this indicates that </a:t>
-            </a:r>
-            <a:r>
-              <a:rPr lang="en-US" baseline="0" dirty="0" err="1" smtClean="0"/>
-              <a:t>hnRNPK</a:t>
-            </a:r>
-            <a:r>
-              <a:rPr lang="en-US" baseline="0" dirty="0" smtClean="0"/>
-              <a:t> fulfills the criteria for export protein. </a:t>
+              <a:t> may be better suited for this role… Linker: together, this indicates that hnRNPK fulfills the criteria for export protein. </a:t>
             </a:r>
             <a:endParaRPr lang="en-AU" dirty="0"/>
           </a:p>
@@ -5396,15 +5400,7 @@
             </a:r>
             <a:r>
               <a:rPr lang="en-US" baseline="0" dirty="0" smtClean="0"/>
-              <a:t> those punctate structures were… CD9 is a common marker used to determine…. Here we found that </a:t>
-            </a:r>
-            <a:r>
-              <a:rPr lang="en-US" baseline="0" dirty="0" err="1" smtClean="0"/>
-              <a:t>hnRNPK</a:t>
-            </a:r>
-            <a:r>
-              <a:rPr lang="en-US" baseline="0" dirty="0" smtClean="0"/>
-              <a:t> is found somewhat in forming exosomes, the smaller of the EVs </a:t>
+              <a:t> those punctate structures were… CD9 is a common marker used to determine…. Here we found that hnRNPK is found somewhat in forming exosomes, the smaller of the EVs </a:t>
             </a:r>
             <a:r>
               <a:rPr lang="en-US" baseline="0" dirty="0" err="1" smtClean="0"/>
@@ -5504,15 +5500,7 @@
             </a:r>
             <a:r>
               <a:rPr lang="en-US" baseline="0" dirty="0" smtClean="0"/>
-              <a:t> wanted to know and confirm that </a:t>
-            </a:r>
-            <a:r>
-              <a:rPr lang="en-US" baseline="0" dirty="0" err="1" smtClean="0"/>
-              <a:t>hnRNPK</a:t>
-            </a:r>
-            <a:r>
-              <a:rPr lang="en-US" baseline="0" dirty="0" smtClean="0"/>
-              <a:t> actually interacts with its predicated targets. We attempted to do this in two separate ways: by looking at in situ </a:t>
+              <a:t> wanted to know and confirm that hnRNPK actually interacts with its predicated targets. We attempted to do this in two separate ways: by looking at in situ </a:t>
             </a:r>
             <a:r>
               <a:rPr lang="en-US" baseline="0" dirty="0" err="1" smtClean="0"/>
@@ -5654,6 +5642,258 @@
 </p:notes>
 </file>
 
+<file path=ppt/notesSlides/notesSlide17.xml><?xml version="1.0" encoding="utf-8"?>
+<p:notes xmlns:a="http://schemas.openxmlformats.org/drawingml/2006/main" xmlns:r="http://schemas.openxmlformats.org/officeDocument/2006/relationships" xmlns:p="http://schemas.openxmlformats.org/presentationml/2006/main">
+  <p:cSld>
+    <p:spTree>
+      <p:nvGrpSpPr>
+        <p:cNvPr id="1" name=""/>
+        <p:cNvGrpSpPr/>
+        <p:nvPr/>
+      </p:nvGrpSpPr>
+      <p:grpSpPr>
+        <a:xfrm>
+          <a:off x="0" y="0"/>
+          <a:ext cx="0" cy="0"/>
+          <a:chOff x="0" y="0"/>
+          <a:chExt cx="0" cy="0"/>
+        </a:xfrm>
+      </p:grpSpPr>
+      <p:sp>
+        <p:nvSpPr>
+          <p:cNvPr id="2" name="Slide Image Placeholder 1"/>
+          <p:cNvSpPr>
+            <a:spLocks noGrp="1" noRot="1" noChangeAspect="1"/>
+          </p:cNvSpPr>
+          <p:nvPr>
+            <p:ph type="sldImg"/>
+          </p:nvPr>
+        </p:nvSpPr>
+        <p:spPr/>
+      </p:sp>
+      <p:sp>
+        <p:nvSpPr>
+          <p:cNvPr id="3" name="Notes Placeholder 2"/>
+          <p:cNvSpPr>
+            <a:spLocks noGrp="1"/>
+          </p:cNvSpPr>
+          <p:nvPr>
+            <p:ph type="body" idx="1"/>
+          </p:nvPr>
+        </p:nvSpPr>
+        <p:spPr/>
+        <p:txBody>
+          <a:bodyPr/>
+          <a:lstStyle/>
+          <a:p>
+            <a:endParaRPr lang="en-AU" dirty="0"/>
+          </a:p>
+        </p:txBody>
+      </p:sp>
+      <p:sp>
+        <p:nvSpPr>
+          <p:cNvPr id="4" name="Slide Number Placeholder 3"/>
+          <p:cNvSpPr>
+            <a:spLocks noGrp="1"/>
+          </p:cNvSpPr>
+          <p:nvPr>
+            <p:ph type="sldNum" sz="quarter" idx="10"/>
+          </p:nvPr>
+        </p:nvSpPr>
+        <p:spPr/>
+        <p:txBody>
+          <a:bodyPr/>
+          <a:lstStyle/>
+          <a:p>
+            <a:fld id="{3879C5DC-A60F-40B4-9CE1-5FE03EE7A3A5}" type="slidenum">
+              <a:rPr lang="en-AU" smtClean="0"/>
+              <a:t>19</a:t>
+            </a:fld>
+            <a:endParaRPr lang="en-AU"/>
+          </a:p>
+        </p:txBody>
+      </p:sp>
+    </p:spTree>
+    <p:extLst>
+      <p:ext uri="{BB962C8B-B14F-4D97-AF65-F5344CB8AC3E}">
+        <p14:creationId xmlns:p14="http://schemas.microsoft.com/office/powerpoint/2010/main" val="126966291"/>
+      </p:ext>
+    </p:extLst>
+  </p:cSld>
+  <p:clrMapOvr>
+    <a:masterClrMapping/>
+  </p:clrMapOvr>
+</p:notes>
+</file>
+
+<file path=ppt/notesSlides/notesSlide18.xml><?xml version="1.0" encoding="utf-8"?>
+<p:notes xmlns:a="http://schemas.openxmlformats.org/drawingml/2006/main" xmlns:r="http://schemas.openxmlformats.org/officeDocument/2006/relationships" xmlns:p="http://schemas.openxmlformats.org/presentationml/2006/main">
+  <p:cSld>
+    <p:spTree>
+      <p:nvGrpSpPr>
+        <p:cNvPr id="1" name=""/>
+        <p:cNvGrpSpPr/>
+        <p:nvPr/>
+      </p:nvGrpSpPr>
+      <p:grpSpPr>
+        <a:xfrm>
+          <a:off x="0" y="0"/>
+          <a:ext cx="0" cy="0"/>
+          <a:chOff x="0" y="0"/>
+          <a:chExt cx="0" cy="0"/>
+        </a:xfrm>
+      </p:grpSpPr>
+      <p:sp>
+        <p:nvSpPr>
+          <p:cNvPr id="2" name="Slide Image Placeholder 1"/>
+          <p:cNvSpPr>
+            <a:spLocks noGrp="1" noRot="1" noChangeAspect="1"/>
+          </p:cNvSpPr>
+          <p:nvPr>
+            <p:ph type="sldImg"/>
+          </p:nvPr>
+        </p:nvSpPr>
+        <p:spPr/>
+      </p:sp>
+      <p:sp>
+        <p:nvSpPr>
+          <p:cNvPr id="3" name="Notes Placeholder 2"/>
+          <p:cNvSpPr>
+            <a:spLocks noGrp="1"/>
+          </p:cNvSpPr>
+          <p:nvPr>
+            <p:ph type="body" idx="1"/>
+          </p:nvPr>
+        </p:nvSpPr>
+        <p:spPr/>
+        <p:txBody>
+          <a:bodyPr/>
+          <a:lstStyle/>
+          <a:p>
+            <a:endParaRPr lang="en-AU" dirty="0"/>
+          </a:p>
+        </p:txBody>
+      </p:sp>
+      <p:sp>
+        <p:nvSpPr>
+          <p:cNvPr id="4" name="Slide Number Placeholder 3"/>
+          <p:cNvSpPr>
+            <a:spLocks noGrp="1"/>
+          </p:cNvSpPr>
+          <p:nvPr>
+            <p:ph type="sldNum" sz="quarter" idx="10"/>
+          </p:nvPr>
+        </p:nvSpPr>
+        <p:spPr/>
+        <p:txBody>
+          <a:bodyPr/>
+          <a:lstStyle/>
+          <a:p>
+            <a:fld id="{3879C5DC-A60F-40B4-9CE1-5FE03EE7A3A5}" type="slidenum">
+              <a:rPr lang="en-AU" smtClean="0"/>
+              <a:t>20</a:t>
+            </a:fld>
+            <a:endParaRPr lang="en-AU"/>
+          </a:p>
+        </p:txBody>
+      </p:sp>
+    </p:spTree>
+    <p:extLst>
+      <p:ext uri="{BB962C8B-B14F-4D97-AF65-F5344CB8AC3E}">
+        <p14:creationId xmlns:p14="http://schemas.microsoft.com/office/powerpoint/2010/main" val="1600778336"/>
+      </p:ext>
+    </p:extLst>
+  </p:cSld>
+  <p:clrMapOvr>
+    <a:masterClrMapping/>
+  </p:clrMapOvr>
+</p:notes>
+</file>
+
+<file path=ppt/notesSlides/notesSlide19.xml><?xml version="1.0" encoding="utf-8"?>
+<p:notes xmlns:a="http://schemas.openxmlformats.org/drawingml/2006/main" xmlns:r="http://schemas.openxmlformats.org/officeDocument/2006/relationships" xmlns:p="http://schemas.openxmlformats.org/presentationml/2006/main">
+  <p:cSld>
+    <p:spTree>
+      <p:nvGrpSpPr>
+        <p:cNvPr id="1" name=""/>
+        <p:cNvGrpSpPr/>
+        <p:nvPr/>
+      </p:nvGrpSpPr>
+      <p:grpSpPr>
+        <a:xfrm>
+          <a:off x="0" y="0"/>
+          <a:ext cx="0" cy="0"/>
+          <a:chOff x="0" y="0"/>
+          <a:chExt cx="0" cy="0"/>
+        </a:xfrm>
+      </p:grpSpPr>
+      <p:sp>
+        <p:nvSpPr>
+          <p:cNvPr id="2" name="Slide Image Placeholder 1"/>
+          <p:cNvSpPr>
+            <a:spLocks noGrp="1" noRot="1" noChangeAspect="1"/>
+          </p:cNvSpPr>
+          <p:nvPr>
+            <p:ph type="sldImg"/>
+          </p:nvPr>
+        </p:nvSpPr>
+        <p:spPr/>
+      </p:sp>
+      <p:sp>
+        <p:nvSpPr>
+          <p:cNvPr id="3" name="Notes Placeholder 2"/>
+          <p:cNvSpPr>
+            <a:spLocks noGrp="1"/>
+          </p:cNvSpPr>
+          <p:nvPr>
+            <p:ph type="body" idx="1"/>
+          </p:nvPr>
+        </p:nvSpPr>
+        <p:spPr/>
+        <p:txBody>
+          <a:bodyPr/>
+          <a:lstStyle/>
+          <a:p>
+            <a:endParaRPr lang="en-AU" dirty="0"/>
+          </a:p>
+        </p:txBody>
+      </p:sp>
+      <p:sp>
+        <p:nvSpPr>
+          <p:cNvPr id="4" name="Slide Number Placeholder 3"/>
+          <p:cNvSpPr>
+            <a:spLocks noGrp="1"/>
+          </p:cNvSpPr>
+          <p:nvPr>
+            <p:ph type="sldNum" sz="quarter" idx="10"/>
+          </p:nvPr>
+        </p:nvSpPr>
+        <p:spPr/>
+        <p:txBody>
+          <a:bodyPr/>
+          <a:lstStyle/>
+          <a:p>
+            <a:fld id="{3879C5DC-A60F-40B4-9CE1-5FE03EE7A3A5}" type="slidenum">
+              <a:rPr lang="en-AU" smtClean="0"/>
+              <a:t>21</a:t>
+            </a:fld>
+            <a:endParaRPr lang="en-AU"/>
+          </a:p>
+        </p:txBody>
+      </p:sp>
+    </p:spTree>
+    <p:extLst>
+      <p:ext uri="{BB962C8B-B14F-4D97-AF65-F5344CB8AC3E}">
+        <p14:creationId xmlns:p14="http://schemas.microsoft.com/office/powerpoint/2010/main" val="2926423547"/>
+      </p:ext>
+    </p:extLst>
+  </p:cSld>
+  <p:clrMapOvr>
+    <a:masterClrMapping/>
+  </p:clrMapOvr>
+</p:notes>
+</file>
+
 <file path=ppt/notesSlides/notesSlide2.xml><?xml version="1.0" encoding="utf-8"?>
 <p:notes xmlns:a="http://schemas.openxmlformats.org/drawingml/2006/main" xmlns:r="http://schemas.openxmlformats.org/officeDocument/2006/relationships" xmlns:p="http://schemas.openxmlformats.org/presentationml/2006/main">
   <p:cSld>
@@ -6667,7 +6907,7 @@
           <a:p>
             <a:fld id="{1644BD7C-F7E4-4602-B4BA-7731E171C526}" type="datetimeFigureOut">
               <a:rPr lang="en-AU" smtClean="0"/>
-              <a:t>3/11/2016</a:t>
+              <a:t>4/11/2016</a:t>
             </a:fld>
             <a:endParaRPr lang="en-AU"/>
           </a:p>
@@ -6947,7 +7187,7 @@
           <a:p>
             <a:fld id="{1644BD7C-F7E4-4602-B4BA-7731E171C526}" type="datetimeFigureOut">
               <a:rPr lang="en-AU" smtClean="0"/>
-              <a:t>3/11/2016</a:t>
+              <a:t>4/11/2016</a:t>
             </a:fld>
             <a:endParaRPr lang="en-AU"/>
           </a:p>
@@ -7141,7 +7381,7 @@
           <a:p>
             <a:fld id="{1644BD7C-F7E4-4602-B4BA-7731E171C526}" type="datetimeFigureOut">
               <a:rPr lang="en-AU" smtClean="0"/>
-              <a:t>3/11/2016</a:t>
+              <a:t>4/11/2016</a:t>
             </a:fld>
             <a:endParaRPr lang="en-AU"/>
           </a:p>
@@ -7409,7 +7649,7 @@
           <a:p>
             <a:fld id="{1644BD7C-F7E4-4602-B4BA-7731E171C526}" type="datetimeFigureOut">
               <a:rPr lang="en-AU" smtClean="0"/>
-              <a:t>3/11/2016</a:t>
+              <a:t>4/11/2016</a:t>
             </a:fld>
             <a:endParaRPr lang="en-AU"/>
           </a:p>
@@ -7741,7 +7981,7 @@
           <a:p>
             <a:fld id="{1644BD7C-F7E4-4602-B4BA-7731E171C526}" type="datetimeFigureOut">
               <a:rPr lang="en-AU" smtClean="0"/>
-              <a:t>3/11/2016</a:t>
+              <a:t>4/11/2016</a:t>
             </a:fld>
             <a:endParaRPr lang="en-AU"/>
           </a:p>
@@ -8351,7 +8591,7 @@
           <a:p>
             <a:fld id="{1644BD7C-F7E4-4602-B4BA-7731E171C526}" type="datetimeFigureOut">
               <a:rPr lang="en-AU" smtClean="0"/>
-              <a:t>3/11/2016</a:t>
+              <a:t>4/11/2016</a:t>
             </a:fld>
             <a:endParaRPr lang="en-AU"/>
           </a:p>
@@ -9198,7 +9438,7 @@
           <a:p>
             <a:fld id="{1644BD7C-F7E4-4602-B4BA-7731E171C526}" type="datetimeFigureOut">
               <a:rPr lang="en-AU" smtClean="0"/>
-              <a:t>3/11/2016</a:t>
+              <a:t>4/11/2016</a:t>
             </a:fld>
             <a:endParaRPr lang="en-AU"/>
           </a:p>
@@ -9368,7 +9608,7 @@
           <a:p>
             <a:fld id="{1644BD7C-F7E4-4602-B4BA-7731E171C526}" type="datetimeFigureOut">
               <a:rPr lang="en-AU" smtClean="0"/>
-              <a:t>3/11/2016</a:t>
+              <a:t>4/11/2016</a:t>
             </a:fld>
             <a:endParaRPr lang="en-AU"/>
           </a:p>
@@ -9548,7 +9788,7 @@
           <a:p>
             <a:fld id="{1644BD7C-F7E4-4602-B4BA-7731E171C526}" type="datetimeFigureOut">
               <a:rPr lang="en-AU" smtClean="0"/>
-              <a:t>3/11/2016</a:t>
+              <a:t>4/11/2016</a:t>
             </a:fld>
             <a:endParaRPr lang="en-AU"/>
           </a:p>
@@ -9723,7 +9963,7 @@
           <a:p>
             <a:fld id="{1644BD7C-F7E4-4602-B4BA-7731E171C526}" type="datetimeFigureOut">
               <a:rPr lang="en-AU" smtClean="0"/>
-              <a:t>3/11/2016</a:t>
+              <a:t>4/11/2016</a:t>
             </a:fld>
             <a:endParaRPr lang="en-AU"/>
           </a:p>
@@ -9967,7 +10207,7 @@
           <a:p>
             <a:fld id="{1644BD7C-F7E4-4602-B4BA-7731E171C526}" type="datetimeFigureOut">
               <a:rPr lang="en-AU" smtClean="0"/>
-              <a:t>3/11/2016</a:t>
+              <a:t>4/11/2016</a:t>
             </a:fld>
             <a:endParaRPr lang="en-AU"/>
           </a:p>
@@ -10264,7 +10504,7 @@
           <a:p>
             <a:fld id="{1644BD7C-F7E4-4602-B4BA-7731E171C526}" type="datetimeFigureOut">
               <a:rPr lang="en-AU" smtClean="0"/>
-              <a:t>3/11/2016</a:t>
+              <a:t>4/11/2016</a:t>
             </a:fld>
             <a:endParaRPr lang="en-AU"/>
           </a:p>
@@ -10707,7 +10947,7 @@
           <a:p>
             <a:fld id="{1644BD7C-F7E4-4602-B4BA-7731E171C526}" type="datetimeFigureOut">
               <a:rPr lang="en-AU" smtClean="0"/>
-              <a:t>3/11/2016</a:t>
+              <a:t>4/11/2016</a:t>
             </a:fld>
             <a:endParaRPr lang="en-AU"/>
           </a:p>
@@ -10830,7 +11070,7 @@
           <a:p>
             <a:fld id="{1644BD7C-F7E4-4602-B4BA-7731E171C526}" type="datetimeFigureOut">
               <a:rPr lang="en-AU" smtClean="0"/>
-              <a:t>3/11/2016</a:t>
+              <a:t>4/11/2016</a:t>
             </a:fld>
             <a:endParaRPr lang="en-AU"/>
           </a:p>
@@ -10925,7 +11165,7 @@
           <a:p>
             <a:fld id="{1644BD7C-F7E4-4602-B4BA-7731E171C526}" type="datetimeFigureOut">
               <a:rPr lang="en-AU" smtClean="0"/>
-              <a:t>3/11/2016</a:t>
+              <a:t>4/11/2016</a:t>
             </a:fld>
             <a:endParaRPr lang="en-AU"/>
           </a:p>
@@ -11209,7 +11449,7 @@
           <a:p>
             <a:fld id="{1644BD7C-F7E4-4602-B4BA-7731E171C526}" type="datetimeFigureOut">
               <a:rPr lang="en-AU" smtClean="0"/>
-              <a:t>3/11/2016</a:t>
+              <a:t>4/11/2016</a:t>
             </a:fld>
             <a:endParaRPr lang="en-AU"/>
           </a:p>
@@ -11489,7 +11729,7 @@
           <a:p>
             <a:fld id="{1644BD7C-F7E4-4602-B4BA-7731E171C526}" type="datetimeFigureOut">
               <a:rPr lang="en-AU" smtClean="0"/>
-              <a:t>3/11/2016</a:t>
+              <a:t>4/11/2016</a:t>
             </a:fld>
             <a:endParaRPr lang="en-AU"/>
           </a:p>
@@ -11918,7 +12158,7 @@
           <a:p>
             <a:fld id="{1644BD7C-F7E4-4602-B4BA-7731E171C526}" type="datetimeFigureOut">
               <a:rPr lang="en-AU" smtClean="0"/>
-              <a:t>3/11/2016</a:t>
+              <a:t>4/11/2016</a:t>
             </a:fld>
             <a:endParaRPr lang="en-AU"/>
           </a:p>
@@ -13582,7 +13822,7 @@
         </p:blipFill>
         <p:spPr>
           <a:xfrm>
-            <a:off x="270301" y="2303641"/>
+            <a:off x="343518" y="2267786"/>
             <a:ext cx="5715001" cy="4119186"/>
           </a:xfrm>
           <a:prstGeom prst="rect">
@@ -13606,7 +13846,7 @@
         </p:blipFill>
         <p:spPr>
           <a:xfrm>
-            <a:off x="6131736" y="2303641"/>
+            <a:off x="6137310" y="2267786"/>
             <a:ext cx="5562600" cy="3105150"/>
           </a:xfrm>
           <a:prstGeom prst="rect">
@@ -13622,7 +13862,7 @@
         </p:nvSpPr>
         <p:spPr>
           <a:xfrm>
-            <a:off x="6528372" y="5739068"/>
+            <a:off x="6456398" y="5598391"/>
             <a:ext cx="4780476" cy="646331"/>
           </a:xfrm>
           <a:prstGeom prst="rect">
@@ -13734,7 +13974,7 @@
         </p:nvSpPr>
         <p:spPr>
           <a:xfrm>
-            <a:off x="368489" y="1419366"/>
+            <a:off x="397553" y="1533211"/>
             <a:ext cx="9578263" cy="369332"/>
           </a:xfrm>
           <a:prstGeom prst="rect">
@@ -14132,12 +14372,8 @@
           <a:lstStyle/>
           <a:p>
             <a:r>
-              <a:rPr lang="en-US" dirty="0" err="1" smtClean="0"/>
-              <a:t>hnRNPK</a:t>
-            </a:r>
-            <a:r>
               <a:rPr lang="en-US" dirty="0" smtClean="0"/>
-              <a:t> predicted to match to the selective exported motif (p=0.0435, via FIMO prediction). </a:t>
+              <a:t>hnRNPK predicted to match to the selective exported motif (p=0.0435, via FIMO prediction). </a:t>
             </a:r>
             <a:endParaRPr lang="en-US" sz="1200" dirty="0" smtClean="0"/>
           </a:p>
@@ -14149,12 +14385,8 @@
           </a:p>
           <a:p>
             <a:r>
-              <a:rPr lang="en-US" dirty="0" err="1" smtClean="0"/>
-              <a:t>hnRNPK</a:t>
-            </a:r>
-            <a:r>
               <a:rPr lang="en-US" dirty="0" smtClean="0"/>
-              <a:t> usually complex with </a:t>
+              <a:t>hnRNPK usually complex with </a:t>
             </a:r>
             <a:r>
               <a:rPr lang="en-US" dirty="0" err="1" smtClean="0"/>
@@ -14179,12 +14411,8 @@
           </a:p>
           <a:p>
             <a:r>
-              <a:rPr lang="en-US" dirty="0" err="1" smtClean="0"/>
-              <a:t>hnRNPK</a:t>
-            </a:r>
-            <a:r>
               <a:rPr lang="en-US" dirty="0" smtClean="0"/>
-              <a:t> </a:t>
+              <a:t>hnRNPK </a:t>
             </a:r>
             <a:r>
               <a:rPr lang="en-US" dirty="0"/>
@@ -14300,7 +14528,7 @@
         </p:blipFill>
         <p:spPr>
           <a:xfrm>
-            <a:off x="5827482" y="2030605"/>
+            <a:off x="5808432" y="2030605"/>
             <a:ext cx="5013575" cy="3321605"/>
           </a:xfrm>
           <a:prstGeom prst="rect">
@@ -14318,20 +14546,29 @@
             <p:ph type="title"/>
           </p:nvPr>
         </p:nvSpPr>
-        <p:spPr/>
+        <p:spPr>
+          <a:xfrm>
+            <a:off x="655635" y="534366"/>
+            <a:ext cx="9698039" cy="1400530"/>
+          </a:xfrm>
+        </p:spPr>
         <p:txBody>
           <a:bodyPr/>
           <a:lstStyle/>
           <a:p>
             <a:r>
-              <a:rPr lang="en-US" dirty="0" err="1" smtClean="0"/>
-              <a:t>hnRNPK</a:t>
-            </a:r>
-            <a:r>
-              <a:rPr lang="en-US" dirty="0" smtClean="0"/>
-              <a:t> changes between MVB and ER</a:t>
-            </a:r>
-            <a:endParaRPr lang="en-AU" dirty="0"/>
+              <a:rPr lang="en-US" sz="3600" dirty="0" smtClean="0"/>
+              <a:t>hnRNPK </a:t>
+            </a:r>
+            <a:r>
+              <a:rPr lang="en-US" sz="3600" dirty="0" smtClean="0"/>
+              <a:t>translocate between </a:t>
+            </a:r>
+            <a:r>
+              <a:rPr lang="en-US" sz="3600" dirty="0" smtClean="0"/>
+              <a:t>MVB and ER</a:t>
+            </a:r>
+            <a:endParaRPr lang="en-AU" sz="3600" dirty="0"/>
           </a:p>
         </p:txBody>
       </p:sp>
@@ -14369,8 +14606,8 @@
         </p:nvSpPr>
         <p:spPr>
           <a:xfrm>
-            <a:off x="8958227" y="1262215"/>
-            <a:ext cx="2185214" cy="646331"/>
+            <a:off x="1118030" y="5495085"/>
+            <a:ext cx="4968199" cy="369332"/>
           </a:xfrm>
           <a:prstGeom prst="rect">
             <a:avLst/>
@@ -14378,20 +14615,18 @@
           <a:noFill/>
         </p:spPr>
         <p:txBody>
-          <a:bodyPr wrap="none" rtlCol="0">
+          <a:bodyPr wrap="square" rtlCol="0">
             <a:spAutoFit/>
           </a:bodyPr>
           <a:lstStyle/>
           <a:p>
             <a:r>
               <a:rPr lang="en-AU" dirty="0" smtClean="0"/>
-              <a:t>CD9 is a MVB and</a:t>
-            </a:r>
-          </a:p>
-          <a:p>
+              <a:t>CD9 is a MVB </a:t>
+            </a:r>
             <a:r>
               <a:rPr lang="en-AU" dirty="0" smtClean="0"/>
-              <a:t>exosome marker</a:t>
+              <a:t>and exosome marker </a:t>
             </a:r>
             <a:endParaRPr lang="en-AU" dirty="0"/>
           </a:p>
@@ -14474,6 +14709,292 @@
                 <a:schemeClr val="bg1"/>
               </a:solidFill>
             </a:endParaRPr>
+          </a:p>
+        </p:txBody>
+      </p:sp>
+      <p:sp>
+        <p:nvSpPr>
+          <p:cNvPr id="6" name="TextBox 5"/>
+          <p:cNvSpPr txBox="1"/>
+          <p:nvPr/>
+        </p:nvSpPr>
+        <p:spPr>
+          <a:xfrm>
+            <a:off x="5972175" y="1903646"/>
+            <a:ext cx="4868882" cy="252000"/>
+          </a:xfrm>
+          <a:prstGeom prst="rect">
+            <a:avLst/>
+          </a:prstGeom>
+          <a:solidFill>
+            <a:schemeClr val="tx1"/>
+          </a:solidFill>
+        </p:spPr>
+        <p:txBody>
+          <a:bodyPr wrap="square" rtlCol="0">
+            <a:spAutoFit/>
+          </a:bodyPr>
+          <a:lstStyle/>
+          <a:p>
+            <a:r>
+              <a:rPr lang="en-US" sz="1200" dirty="0" smtClean="0">
+                <a:solidFill>
+                  <a:schemeClr val="bg1"/>
+                </a:solidFill>
+              </a:rPr>
+              <a:t>           hnRNPK	ERp44 and DAPI                  Merge</a:t>
+            </a:r>
+            <a:endParaRPr lang="en-AU" sz="1200" dirty="0">
+              <a:solidFill>
+                <a:schemeClr val="bg1"/>
+              </a:solidFill>
+            </a:endParaRPr>
+          </a:p>
+        </p:txBody>
+      </p:sp>
+      <p:pic>
+        <p:nvPicPr>
+          <p:cNvPr id="10" name="Picture 9"/>
+          <p:cNvPicPr>
+            <a:picLocks noChangeAspect="1"/>
+          </p:cNvPicPr>
+          <p:nvPr/>
+        </p:nvPicPr>
+        <p:blipFill>
+          <a:blip r:embed="rId5"/>
+          <a:stretch>
+            <a:fillRect/>
+          </a:stretch>
+        </p:blipFill>
+        <p:spPr>
+          <a:xfrm>
+            <a:off x="7519881" y="2165171"/>
+            <a:ext cx="1683208" cy="1521943"/>
+          </a:xfrm>
+          <a:prstGeom prst="rect">
+            <a:avLst/>
+          </a:prstGeom>
+        </p:spPr>
+      </p:pic>
+      <p:cxnSp>
+        <p:nvCxnSpPr>
+          <p:cNvPr id="12" name="Straight Connector 11"/>
+          <p:cNvCxnSpPr/>
+          <p:nvPr/>
+        </p:nvCxnSpPr>
+        <p:spPr>
+          <a:xfrm>
+            <a:off x="9203089" y="2117546"/>
+            <a:ext cx="0" cy="1606729"/>
+          </a:xfrm>
+          <a:prstGeom prst="line">
+            <a:avLst/>
+          </a:prstGeom>
+          <a:ln w="19050">
+            <a:solidFill>
+              <a:schemeClr val="tx1"/>
+            </a:solidFill>
+          </a:ln>
+        </p:spPr>
+        <p:style>
+          <a:lnRef idx="1">
+            <a:schemeClr val="accent1"/>
+          </a:lnRef>
+          <a:fillRef idx="0">
+            <a:schemeClr val="accent1"/>
+          </a:fillRef>
+          <a:effectRef idx="0">
+            <a:schemeClr val="accent1"/>
+          </a:effectRef>
+          <a:fontRef idx="minor">
+            <a:schemeClr val="tx1"/>
+          </a:fontRef>
+        </p:style>
+      </p:cxnSp>
+      <p:cxnSp>
+        <p:nvCxnSpPr>
+          <p:cNvPr id="13" name="Straight Connector 12"/>
+          <p:cNvCxnSpPr/>
+          <p:nvPr/>
+        </p:nvCxnSpPr>
+        <p:spPr>
+          <a:xfrm>
+            <a:off x="7517164" y="2088971"/>
+            <a:ext cx="0" cy="1606729"/>
+          </a:xfrm>
+          <a:prstGeom prst="line">
+            <a:avLst/>
+          </a:prstGeom>
+          <a:ln w="19050">
+            <a:solidFill>
+              <a:schemeClr val="tx1"/>
+            </a:solidFill>
+          </a:ln>
+        </p:spPr>
+        <p:style>
+          <a:lnRef idx="1">
+            <a:schemeClr val="accent1"/>
+          </a:lnRef>
+          <a:fillRef idx="0">
+            <a:schemeClr val="accent1"/>
+          </a:fillRef>
+          <a:effectRef idx="0">
+            <a:schemeClr val="accent1"/>
+          </a:effectRef>
+          <a:fontRef idx="minor">
+            <a:schemeClr val="tx1"/>
+          </a:fontRef>
+        </p:style>
+      </p:cxnSp>
+      <p:sp>
+        <p:nvSpPr>
+          <p:cNvPr id="14" name="TextBox 13"/>
+          <p:cNvSpPr txBox="1"/>
+          <p:nvPr/>
+        </p:nvSpPr>
+        <p:spPr>
+          <a:xfrm>
+            <a:off x="6086229" y="5514135"/>
+            <a:ext cx="4754828" cy="369332"/>
+          </a:xfrm>
+          <a:prstGeom prst="rect">
+            <a:avLst/>
+          </a:prstGeom>
+          <a:noFill/>
+        </p:spPr>
+        <p:txBody>
+          <a:bodyPr wrap="none" rtlCol="0">
+            <a:spAutoFit/>
+          </a:bodyPr>
+          <a:lstStyle/>
+          <a:p>
+            <a:r>
+              <a:rPr lang="en-US" dirty="0" smtClean="0"/>
+              <a:t>ERp44 is a endoplasmic reticulum marker</a:t>
+            </a:r>
+            <a:endParaRPr lang="en-AU" dirty="0"/>
+          </a:p>
+        </p:txBody>
+      </p:sp>
+      <p:sp>
+        <p:nvSpPr>
+          <p:cNvPr id="15" name="Rectangle 14"/>
+          <p:cNvSpPr/>
+          <p:nvPr/>
+        </p:nvSpPr>
+        <p:spPr>
+          <a:xfrm>
+            <a:off x="865476" y="1884596"/>
+            <a:ext cx="5106699" cy="1887304"/>
+          </a:xfrm>
+          <a:prstGeom prst="rect">
+            <a:avLst/>
+          </a:prstGeom>
+          <a:noFill/>
+          <a:ln w="28575">
+            <a:solidFill>
+              <a:srgbClr val="FF0000"/>
+            </a:solidFill>
+          </a:ln>
+        </p:spPr>
+        <p:style>
+          <a:lnRef idx="2">
+            <a:schemeClr val="accent1">
+              <a:shade val="50000"/>
+            </a:schemeClr>
+          </a:lnRef>
+          <a:fillRef idx="1">
+            <a:schemeClr val="accent1"/>
+          </a:fillRef>
+          <a:effectRef idx="0">
+            <a:schemeClr val="accent1"/>
+          </a:effectRef>
+          <a:fontRef idx="minor">
+            <a:schemeClr val="lt1"/>
+          </a:fontRef>
+        </p:style>
+        <p:txBody>
+          <a:bodyPr rtlCol="0" anchor="ctr"/>
+          <a:lstStyle/>
+          <a:p>
+            <a:pPr algn="ctr"/>
+            <a:endParaRPr lang="en-AU"/>
+          </a:p>
+        </p:txBody>
+      </p:sp>
+      <p:sp>
+        <p:nvSpPr>
+          <p:cNvPr id="17" name="Rectangle 16"/>
+          <p:cNvSpPr/>
+          <p:nvPr/>
+        </p:nvSpPr>
+        <p:spPr>
+          <a:xfrm>
+            <a:off x="5910294" y="3643530"/>
+            <a:ext cx="4930763" cy="1783490"/>
+          </a:xfrm>
+          <a:prstGeom prst="rect">
+            <a:avLst/>
+          </a:prstGeom>
+          <a:noFill/>
+          <a:ln w="28575">
+            <a:solidFill>
+              <a:srgbClr val="FF0000"/>
+            </a:solidFill>
+          </a:ln>
+        </p:spPr>
+        <p:style>
+          <a:lnRef idx="2">
+            <a:schemeClr val="accent1">
+              <a:shade val="50000"/>
+            </a:schemeClr>
+          </a:lnRef>
+          <a:fillRef idx="1">
+            <a:schemeClr val="accent1"/>
+          </a:fillRef>
+          <a:effectRef idx="0">
+            <a:schemeClr val="accent1"/>
+          </a:effectRef>
+          <a:fontRef idx="minor">
+            <a:schemeClr val="lt1"/>
+          </a:fontRef>
+        </p:style>
+        <p:txBody>
+          <a:bodyPr rtlCol="0" anchor="ctr"/>
+          <a:lstStyle/>
+          <a:p>
+            <a:pPr algn="ctr"/>
+            <a:endParaRPr lang="en-AU"/>
+          </a:p>
+        </p:txBody>
+      </p:sp>
+      <p:sp>
+        <p:nvSpPr>
+          <p:cNvPr id="18" name="TextBox 17"/>
+          <p:cNvSpPr txBox="1"/>
+          <p:nvPr/>
+        </p:nvSpPr>
+        <p:spPr>
+          <a:xfrm>
+            <a:off x="9277567" y="1627119"/>
+            <a:ext cx="1645002" cy="307777"/>
+          </a:xfrm>
+          <a:prstGeom prst="rect">
+            <a:avLst/>
+          </a:prstGeom>
+          <a:noFill/>
+        </p:spPr>
+        <p:txBody>
+          <a:bodyPr wrap="none" rtlCol="0">
+            <a:spAutoFit/>
+          </a:bodyPr>
+          <a:lstStyle/>
+          <a:p>
+            <a:r>
+              <a:rPr lang="en-US" sz="1400" dirty="0" smtClean="0"/>
+              <a:t>Scale bar= 10µm</a:t>
+            </a:r>
+            <a:endParaRPr lang="en-AU" sz="1400" dirty="0"/>
           </a:p>
         </p:txBody>
       </p:sp>
@@ -14490,9 +15011,126 @@
   <p:timing>
     <p:tnLst>
       <p:par>
-        <p:cTn id="1" dur="indefinite" restart="never" nodeType="tmRoot"/>
+        <p:cTn id="1" dur="indefinite" restart="never" nodeType="tmRoot">
+          <p:childTnLst>
+            <p:seq concurrent="1" nextAc="seek">
+              <p:cTn id="2" dur="indefinite" nodeType="mainSeq">
+                <p:childTnLst>
+                  <p:par>
+                    <p:cTn id="3" fill="hold">
+                      <p:stCondLst>
+                        <p:cond delay="indefinite"/>
+                      </p:stCondLst>
+                      <p:childTnLst>
+                        <p:par>
+                          <p:cTn id="4" fill="hold">
+                            <p:stCondLst>
+                              <p:cond delay="0"/>
+                            </p:stCondLst>
+                            <p:childTnLst>
+                              <p:par>
+                                <p:cTn id="5" presetID="1" presetClass="entr" presetSubtype="0" fill="hold" grpId="0" nodeType="clickEffect">
+                                  <p:stCondLst>
+                                    <p:cond delay="0"/>
+                                  </p:stCondLst>
+                                  <p:childTnLst>
+                                    <p:set>
+                                      <p:cBhvr>
+                                        <p:cTn id="6" dur="1" fill="hold">
+                                          <p:stCondLst>
+                                            <p:cond delay="0"/>
+                                          </p:stCondLst>
+                                        </p:cTn>
+                                        <p:tgtEl>
+                                          <p:spTgt spid="15"/>
+                                        </p:tgtEl>
+                                        <p:attrNameLst>
+                                          <p:attrName>style.visibility</p:attrName>
+                                        </p:attrNameLst>
+                                      </p:cBhvr>
+                                      <p:to>
+                                        <p:strVal val="visible"/>
+                                      </p:to>
+                                    </p:set>
+                                  </p:childTnLst>
+                                </p:cTn>
+                              </p:par>
+                            </p:childTnLst>
+                          </p:cTn>
+                        </p:par>
+                      </p:childTnLst>
+                    </p:cTn>
+                  </p:par>
+                  <p:par>
+                    <p:cTn id="7" fill="hold">
+                      <p:stCondLst>
+                        <p:cond delay="indefinite"/>
+                      </p:stCondLst>
+                      <p:childTnLst>
+                        <p:par>
+                          <p:cTn id="8" fill="hold">
+                            <p:stCondLst>
+                              <p:cond delay="0"/>
+                            </p:stCondLst>
+                            <p:childTnLst>
+                              <p:par>
+                                <p:cTn id="9" presetID="1" presetClass="entr" presetSubtype="0" fill="hold" grpId="0" nodeType="clickEffect">
+                                  <p:stCondLst>
+                                    <p:cond delay="0"/>
+                                  </p:stCondLst>
+                                  <p:childTnLst>
+                                    <p:set>
+                                      <p:cBhvr>
+                                        <p:cTn id="10" dur="1" fill="hold">
+                                          <p:stCondLst>
+                                            <p:cond delay="0"/>
+                                          </p:stCondLst>
+                                        </p:cTn>
+                                        <p:tgtEl>
+                                          <p:spTgt spid="17"/>
+                                        </p:tgtEl>
+                                        <p:attrNameLst>
+                                          <p:attrName>style.visibility</p:attrName>
+                                        </p:attrNameLst>
+                                      </p:cBhvr>
+                                      <p:to>
+                                        <p:strVal val="visible"/>
+                                      </p:to>
+                                    </p:set>
+                                  </p:childTnLst>
+                                </p:cTn>
+                              </p:par>
+                            </p:childTnLst>
+                          </p:cTn>
+                        </p:par>
+                      </p:childTnLst>
+                    </p:cTn>
+                  </p:par>
+                </p:childTnLst>
+              </p:cTn>
+              <p:prevCondLst>
+                <p:cond evt="onPrev" delay="0">
+                  <p:tgtEl>
+                    <p:sldTgt/>
+                  </p:tgtEl>
+                </p:cond>
+              </p:prevCondLst>
+              <p:nextCondLst>
+                <p:cond evt="onNext" delay="0">
+                  <p:tgtEl>
+                    <p:sldTgt/>
+                  </p:tgtEl>
+                </p:cond>
+              </p:nextCondLst>
+            </p:seq>
+          </p:childTnLst>
+        </p:cTn>
       </p:par>
     </p:tnLst>
+    <p:bldLst>
+      <p:bldP spid="15" grpId="0" animBg="1"/>
+      <p:bldP spid="17" grpId="0" animBg="1"/>
+    </p:bldLst>
   </p:timing>
 </p:sld>
 </file>
@@ -14604,15 +15242,7 @@
           <a:p>
             <a:r>
               <a:rPr lang="en-US" dirty="0" smtClean="0"/>
-              <a:t>In addition with IF for </a:t>
-            </a:r>
-            <a:r>
-              <a:rPr lang="en-US" dirty="0" err="1" smtClean="0"/>
-              <a:t>hnRNPK</a:t>
-            </a:r>
-            <a:r>
-              <a:rPr lang="en-US" dirty="0" smtClean="0"/>
-              <a:t> localization</a:t>
+              <a:t>In addition with IF for hnRNPK localization</a:t>
             </a:r>
             <a:endParaRPr lang="en-AU" dirty="0"/>
           </a:p>
@@ -14719,12 +15349,8 @@
           <a:lstStyle/>
           <a:p>
             <a:r>
-              <a:rPr lang="en-AU" dirty="0" err="1" smtClean="0"/>
-              <a:t>hnRNPK</a:t>
-            </a:r>
-            <a:r>
               <a:rPr lang="en-AU" dirty="0" smtClean="0"/>
-              <a:t> co-localizes with miR-148a</a:t>
+              <a:t>hnRNPK co-localizes with miR-148a</a:t>
             </a:r>
             <a:endParaRPr lang="en-AU" dirty="0"/>
           </a:p>
@@ -14896,6 +15522,42 @@
                 <a:schemeClr val="bg1"/>
               </a:solidFill>
             </a:endParaRPr>
+          </a:p>
+        </p:txBody>
+      </p:sp>
+      <p:sp>
+        <p:nvSpPr>
+          <p:cNvPr id="4" name="TextBox 3"/>
+          <p:cNvSpPr txBox="1"/>
+          <p:nvPr/>
+        </p:nvSpPr>
+        <p:spPr>
+          <a:xfrm>
+            <a:off x="129051" y="4867371"/>
+            <a:ext cx="2427268" cy="646331"/>
+          </a:xfrm>
+          <a:prstGeom prst="rect">
+            <a:avLst/>
+          </a:prstGeom>
+          <a:noFill/>
+        </p:spPr>
+        <p:txBody>
+          <a:bodyPr wrap="none" rtlCol="0">
+            <a:spAutoFit/>
+          </a:bodyPr>
+          <a:lstStyle/>
+          <a:p>
+            <a:r>
+              <a:rPr lang="en-US" dirty="0" smtClean="0"/>
+              <a:t>+ miR-148a contains</a:t>
+            </a:r>
+          </a:p>
+          <a:p>
+            <a:r>
+              <a:rPr lang="en-US" dirty="0" smtClean="0"/>
+              <a:t>binding motif </a:t>
+            </a:r>
+            <a:endParaRPr lang="en-AU" dirty="0"/>
           </a:p>
         </p:txBody>
       </p:sp>
@@ -14944,7 +15606,7 @@
         </p:nvSpPr>
         <p:spPr>
           <a:xfrm>
-            <a:off x="597111" y="535726"/>
+            <a:off x="597111" y="545251"/>
             <a:ext cx="369333" cy="3744000"/>
           </a:xfrm>
           <a:prstGeom prst="rect">
@@ -14992,7 +15654,7 @@
         </p:nvSpPr>
         <p:spPr>
           <a:xfrm>
-            <a:off x="6022948" y="529028"/>
+            <a:off x="6022948" y="538553"/>
             <a:ext cx="369333" cy="3768283"/>
           </a:xfrm>
           <a:prstGeom prst="rect">
@@ -15078,15 +15740,7 @@
           <a:p>
             <a:r>
               <a:rPr lang="en-US" sz="2400" dirty="0" smtClean="0"/>
-              <a:t>Scrambled-148a as control. Won’t bind </a:t>
-            </a:r>
-            <a:r>
-              <a:rPr lang="en-US" sz="2400" dirty="0" err="1" smtClean="0"/>
-              <a:t>hnRNPK</a:t>
-            </a:r>
-            <a:r>
-              <a:rPr lang="en-US" sz="2400" dirty="0" smtClean="0"/>
-              <a:t> or localize to nucleolus </a:t>
+              <a:t>Scrambled-148a as control. Won’t bind hnRNPK or localize to nucleolus </a:t>
             </a:r>
             <a:endParaRPr lang="en-AU" sz="2400" dirty="0"/>
           </a:p>
@@ -15404,15 +16058,7 @@
           <a:p>
             <a:r>
               <a:rPr lang="en-US" sz="2400" dirty="0" smtClean="0"/>
-              <a:t>No co-localization with </a:t>
-            </a:r>
-            <a:r>
-              <a:rPr lang="en-US" sz="2400" dirty="0" err="1" smtClean="0"/>
-              <a:t>hnRNPK</a:t>
-            </a:r>
-            <a:r>
-              <a:rPr lang="en-US" sz="2400" dirty="0" smtClean="0"/>
-              <a:t> or be found in puncta.</a:t>
+              <a:t>No co-localization with hnRNPK or be found in puncta.</a:t>
             </a:r>
             <a:endParaRPr lang="en-AU" sz="2400" dirty="0"/>
           </a:p>
@@ -15451,20 +16097,12 @@
               <a:t>         </a:t>
             </a:r>
             <a:r>
-              <a:rPr lang="en-US" dirty="0" err="1" smtClean="0">
-                <a:solidFill>
-                  <a:sysClr val="windowText" lastClr="000000"/>
-                </a:solidFill>
-              </a:rPr>
-              <a:t>hnRNPK</a:t>
-            </a:r>
-            <a:r>
               <a:rPr lang="en-US" dirty="0" smtClean="0">
                 <a:solidFill>
                   <a:sysClr val="windowText" lastClr="000000"/>
                 </a:solidFill>
               </a:rPr>
-              <a:t>	   Cy5-antimiR	     Merge</a:t>
+              <a:t>hnRNPK	   Cy5-antimiR	     Merge</a:t>
             </a:r>
             <a:endParaRPr lang="en-AU" dirty="0"/>
           </a:p>
@@ -15503,20 +16141,12 @@
               <a:t>         </a:t>
             </a:r>
             <a:r>
-              <a:rPr lang="en-US" dirty="0" err="1" smtClean="0">
-                <a:solidFill>
-                  <a:sysClr val="windowText" lastClr="000000"/>
-                </a:solidFill>
-              </a:rPr>
-              <a:t>hnRNPK</a:t>
-            </a:r>
-            <a:r>
               <a:rPr lang="en-US" dirty="0" smtClean="0">
                 <a:solidFill>
                   <a:sysClr val="windowText" lastClr="000000"/>
                 </a:solidFill>
               </a:rPr>
-              <a:t>	   Cy5-antimiR	     Merge</a:t>
+              <a:t>hnRNPK	   Cy5-antimiR	     Merge</a:t>
             </a:r>
             <a:endParaRPr lang="en-AU" dirty="0"/>
           </a:p>
@@ -15569,7 +16199,12 @@
             <p:ph type="title"/>
           </p:nvPr>
         </p:nvSpPr>
-        <p:spPr/>
+        <p:spPr>
+          <a:xfrm>
+            <a:off x="646110" y="452718"/>
+            <a:ext cx="9404723" cy="1400530"/>
+          </a:xfrm>
+        </p:spPr>
         <p:txBody>
           <a:bodyPr/>
           <a:lstStyle/>
@@ -15577,64 +16212,6 @@
             <a:r>
               <a:rPr lang="en-US" dirty="0" smtClean="0"/>
               <a:t>Conclusion:</a:t>
-            </a:r>
-            <a:endParaRPr lang="en-AU" dirty="0"/>
-          </a:p>
-        </p:txBody>
-      </p:sp>
-      <p:sp>
-        <p:nvSpPr>
-          <p:cNvPr id="8" name="Content Placeholder 7"/>
-          <p:cNvSpPr>
-            <a:spLocks noGrp="1"/>
-          </p:cNvSpPr>
-          <p:nvPr>
-            <p:ph idx="1"/>
-          </p:nvPr>
-        </p:nvSpPr>
-        <p:spPr>
-          <a:xfrm>
-            <a:off x="4866479" y="4449314"/>
-            <a:ext cx="6838580" cy="1993287"/>
-          </a:xfrm>
-        </p:spPr>
-        <p:txBody>
-          <a:bodyPr/>
-          <a:lstStyle/>
-          <a:p>
-            <a:r>
-              <a:rPr lang="en-US" dirty="0" smtClean="0"/>
-              <a:t>Confirm </a:t>
-            </a:r>
-            <a:r>
-              <a:rPr lang="en-US" dirty="0" err="1" smtClean="0"/>
-              <a:t>hnRNPK</a:t>
-            </a:r>
-            <a:r>
-              <a:rPr lang="en-US" dirty="0" smtClean="0"/>
-              <a:t>- miRNA interaction by </a:t>
-            </a:r>
-            <a:r>
-              <a:rPr lang="en-US" dirty="0" err="1" smtClean="0"/>
-              <a:t>hnRNPK</a:t>
-            </a:r>
-            <a:r>
-              <a:rPr lang="en-US" dirty="0" smtClean="0"/>
-              <a:t> knockout and miRNA mutagenesis </a:t>
-            </a:r>
-          </a:p>
-          <a:p>
-            <a:r>
-              <a:rPr lang="en-US" dirty="0" smtClean="0"/>
-              <a:t>Figure out the link between cavin-1 and </a:t>
-            </a:r>
-            <a:r>
-              <a:rPr lang="en-US" dirty="0" err="1" smtClean="0"/>
-              <a:t>hnRNPK</a:t>
-            </a:r>
-            <a:r>
-              <a:rPr lang="en-US" dirty="0" smtClean="0"/>
-              <a:t> subcellular localization</a:t>
             </a:r>
             <a:endParaRPr lang="en-AU" dirty="0"/>
           </a:p>
@@ -15649,15 +16226,15 @@
           <p:nvPr/>
         </p:nvPicPr>
         <p:blipFill>
-          <a:blip r:embed="rId2"/>
+          <a:blip r:embed="rId3"/>
           <a:stretch>
             <a:fillRect/>
           </a:stretch>
         </p:blipFill>
         <p:spPr>
           <a:xfrm>
-            <a:off x="559970" y="1658853"/>
-            <a:ext cx="3752850" cy="4467225"/>
+            <a:off x="1003987" y="1582552"/>
+            <a:ext cx="3986609" cy="4467225"/>
           </a:xfrm>
           <a:prstGeom prst="rect">
             <a:avLst/>
@@ -15672,8 +16249,8 @@
         </p:nvSpPr>
         <p:spPr>
           <a:xfrm>
-            <a:off x="4866479" y="1853248"/>
-            <a:ext cx="6173485" cy="2123658"/>
+            <a:off x="5229031" y="1907949"/>
+            <a:ext cx="6962969" cy="3816429"/>
           </a:xfrm>
           <a:prstGeom prst="rect">
             <a:avLst/>
@@ -15681,7 +16258,7 @@
           <a:noFill/>
         </p:spPr>
         <p:txBody>
-          <a:bodyPr wrap="none" rtlCol="0">
+          <a:bodyPr wrap="square" rtlCol="0">
             <a:spAutoFit/>
           </a:bodyPr>
           <a:lstStyle/>
@@ -15694,31 +16271,31 @@
               </a:rPr>
               <a:t>Mechanism: </a:t>
             </a:r>
-          </a:p>
-          <a:p>
-            <a:r>
-              <a:rPr lang="en-AU" sz="2200" dirty="0">
+            <a:endParaRPr lang="en-AU" sz="2200" dirty="0" smtClean="0">
+              <a:solidFill>
+                <a:srgbClr val="FFFF00"/>
+              </a:solidFill>
+            </a:endParaRPr>
+          </a:p>
+          <a:p>
+            <a:endParaRPr lang="en-AU" sz="2200" dirty="0">
+              <a:solidFill>
+                <a:srgbClr val="FFFF00"/>
+              </a:solidFill>
+            </a:endParaRPr>
+          </a:p>
+          <a:p>
+            <a:pPr marL="342900" indent="-342900">
+              <a:buFontTx/>
+              <a:buChar char="-"/>
+            </a:pPr>
+            <a:r>
+              <a:rPr lang="en-AU" sz="2200" dirty="0" smtClean="0">
                 <a:solidFill>
                   <a:srgbClr val="FFFF00"/>
                 </a:solidFill>
               </a:rPr>
-              <a:t>- </a:t>
-            </a:r>
-            <a:r>
-              <a:rPr lang="en-AU" sz="2200" dirty="0" err="1" smtClean="0">
-                <a:solidFill>
-                  <a:srgbClr val="FFFF00"/>
-                </a:solidFill>
-              </a:rPr>
-              <a:t>hnRNPK</a:t>
-            </a:r>
-            <a:r>
-              <a:rPr lang="en-AU" sz="2200" dirty="0">
-                <a:solidFill>
-                  <a:srgbClr val="FFFF00"/>
-                </a:solidFill>
-              </a:rPr>
-              <a:t> </a:t>
+              <a:t>hnRNPK </a:t>
             </a:r>
             <a:r>
               <a:rPr lang="en-AU" sz="2200" dirty="0" smtClean="0">
@@ -15734,25 +16311,73 @@
                   <a:srgbClr val="FFFF00"/>
                 </a:solidFill>
               </a:rPr>
-              <a:t>to MVB/EVs</a:t>
-            </a:r>
-          </a:p>
-          <a:p>
+              <a:t>to </a:t>
+            </a:r>
+            <a:r>
+              <a:rPr lang="en-AU" sz="2200" dirty="0" smtClean="0">
+                <a:solidFill>
+                  <a:srgbClr val="FFFF00"/>
+                </a:solidFill>
+              </a:rPr>
+              <a:t>MVB/exosomes</a:t>
+            </a:r>
+          </a:p>
+          <a:p>
+            <a:pPr marL="342900" indent="-342900">
+              <a:buFontTx/>
+              <a:buChar char="-"/>
+            </a:pPr>
+            <a:endParaRPr lang="en-AU" sz="2200" dirty="0">
+              <a:solidFill>
+                <a:srgbClr val="FFFF00"/>
+              </a:solidFill>
+            </a:endParaRPr>
+          </a:p>
+          <a:p>
+            <a:pPr marL="342900" indent="-342900">
+              <a:buFontTx/>
+              <a:buChar char="-"/>
+            </a:pPr>
+            <a:r>
+              <a:rPr lang="en-AU" sz="2200" dirty="0" smtClean="0">
+                <a:solidFill>
+                  <a:srgbClr val="FFFF00"/>
+                </a:solidFill>
+              </a:rPr>
+              <a:t>Presence and absence of hnRNPK in MVB correlates to miRNA change.</a:t>
+            </a:r>
+          </a:p>
+          <a:p>
+            <a:pPr marL="342900" indent="-342900">
+              <a:buFontTx/>
+              <a:buChar char="-"/>
+            </a:pPr>
+            <a:endParaRPr lang="en-AU" sz="2200" dirty="0">
+              <a:solidFill>
+                <a:srgbClr val="FFFF00"/>
+              </a:solidFill>
+            </a:endParaRPr>
+          </a:p>
+          <a:p>
+            <a:pPr marL="342900" indent="-342900">
+              <a:buFontTx/>
+              <a:buChar char="-"/>
+            </a:pPr>
             <a:r>
               <a:rPr lang="en-AU" sz="2200" dirty="0">
                 <a:solidFill>
                   <a:srgbClr val="FFFF00"/>
                 </a:solidFill>
               </a:rPr>
-              <a:t>- </a:t>
-            </a:r>
-            <a:r>
-              <a:rPr lang="en-AU" sz="2200" dirty="0" err="1">
+              <a:t>A</a:t>
+            </a:r>
+            <a:r>
+              <a:rPr lang="en-AU" sz="2200" dirty="0" smtClean="0">
                 <a:solidFill>
                   <a:srgbClr val="FFFF00"/>
                 </a:solidFill>
               </a:rPr>
-              <a:t>hnRNPK</a:t>
+              <a:t>ddition </a:t>
             </a:r>
             <a:r>
               <a:rPr lang="en-AU" sz="2200" dirty="0">
@@ -15760,7 +16385,7 @@
                   <a:srgbClr val="FFFF00"/>
                 </a:solidFill>
               </a:rPr>
-              <a:t> </a:t>
+              <a:t>of cavin-1 </a:t>
             </a:r>
             <a:r>
               <a:rPr lang="en-AU" sz="2200" dirty="0" smtClean="0">
@@ -15768,7 +16393,7 @@
                   <a:srgbClr val="FFFF00"/>
                 </a:solidFill>
               </a:rPr>
-              <a:t>brings target miRNAs </a:t>
+              <a:t>limits </a:t>
             </a:r>
             <a:r>
               <a:rPr lang="en-AU" sz="2200" dirty="0">
@@ -15776,43 +16401,23 @@
                   <a:srgbClr val="FFFF00"/>
                 </a:solidFill>
               </a:rPr>
-              <a:t>with it</a:t>
-            </a:r>
-          </a:p>
-          <a:p>
+              <a:t>hnRNPK in </a:t>
+            </a:r>
+            <a:r>
+              <a:rPr lang="en-AU" sz="2200" dirty="0" smtClean="0">
+                <a:solidFill>
+                  <a:srgbClr val="FFFF00"/>
+                </a:solidFill>
+              </a:rPr>
+              <a:t>EVs potentially </a:t>
+            </a:r>
             <a:r>
               <a:rPr lang="en-AU" sz="2200" dirty="0">
                 <a:solidFill>
                   <a:srgbClr val="FFFF00"/>
                 </a:solidFill>
               </a:rPr>
-              <a:t>- addition of cavin-1 prevents </a:t>
-            </a:r>
-            <a:r>
-              <a:rPr lang="en-AU" sz="2200" dirty="0" err="1">
-                <a:solidFill>
-                  <a:srgbClr val="FFFF00"/>
-                </a:solidFill>
-              </a:rPr>
-              <a:t>hnRNPK</a:t>
-            </a:r>
-            <a:r>
-              <a:rPr lang="en-AU" sz="2200" dirty="0">
-                <a:solidFill>
-                  <a:srgbClr val="FFFF00"/>
-                </a:solidFill>
-              </a:rPr>
-              <a:t> in EVs</a:t>
-            </a:r>
-          </a:p>
-          <a:p>
-            <a:r>
-              <a:rPr lang="en-AU" sz="2200" dirty="0">
-                <a:solidFill>
-                  <a:srgbClr val="FFFF00"/>
-                </a:solidFill>
-              </a:rPr>
-              <a:t>	potentially by </a:t>
+              <a:t>by </a:t>
             </a:r>
             <a:r>
               <a:rPr lang="en-AU" sz="2200" dirty="0" smtClean="0">
@@ -15828,17 +16433,48 @@
                   <a:srgbClr val="FFFF00"/>
                 </a:solidFill>
               </a:rPr>
-              <a:t>to ER</a:t>
-            </a:r>
-          </a:p>
-          <a:p>
+              <a:t>to </a:t>
+            </a:r>
+            <a:r>
+              <a:rPr lang="en-AU" sz="2200" dirty="0" smtClean="0">
+                <a:solidFill>
+                  <a:srgbClr val="FFFF00"/>
+                </a:solidFill>
+              </a:rPr>
+              <a:t>ER</a:t>
+            </a:r>
+          </a:p>
+          <a:p>
+            <a:pPr marL="342900" indent="-342900">
+              <a:buFontTx/>
+              <a:buChar char="-"/>
+            </a:pPr>
+            <a:endParaRPr lang="en-AU" sz="2200" dirty="0" smtClean="0">
+              <a:solidFill>
+                <a:srgbClr val="FFFF00"/>
+              </a:solidFill>
+            </a:endParaRPr>
+          </a:p>
+          <a:p>
+            <a:pPr marL="342900" indent="-342900">
+              <a:buFontTx/>
+              <a:buChar char="-"/>
+            </a:pPr>
+            <a:r>
+              <a:rPr lang="en-AU" sz="2200" dirty="0" smtClean="0">
+                <a:solidFill>
+                  <a:srgbClr val="FFFF00"/>
+                </a:solidFill>
+              </a:rPr>
+              <a:t>Therefore </a:t>
+            </a:r>
             <a:r>
               <a:rPr lang="en-AU" sz="2200" dirty="0">
                 <a:solidFill>
                   <a:srgbClr val="FFFF00"/>
                 </a:solidFill>
               </a:rPr>
-              <a:t>- Therefore reduces </a:t>
+              <a:t>reduces </a:t>
             </a:r>
             <a:r>
               <a:rPr lang="en-AU" sz="2200" dirty="0" smtClean="0">
@@ -15849,13 +16485,18 @@
               <a:t>miRNA </a:t>
             </a:r>
             <a:r>
-              <a:rPr lang="en-AU" sz="2200" dirty="0">
+              <a:rPr lang="en-AU" sz="2200" dirty="0" smtClean="0">
                 <a:solidFill>
                   <a:srgbClr val="FFFF00"/>
                 </a:solidFill>
               </a:rPr>
               <a:t>export</a:t>
             </a:r>
+            <a:endParaRPr lang="en-AU" sz="2200" dirty="0">
+              <a:solidFill>
+                <a:srgbClr val="FFFF00"/>
+              </a:solidFill>
+            </a:endParaRPr>
           </a:p>
         </p:txBody>
       </p:sp>
@@ -16184,32 +16825,274 @@
             <p:ph idx="1"/>
           </p:nvPr>
         </p:nvSpPr>
-        <p:spPr/>
-        <p:txBody>
-          <a:bodyPr/>
+        <p:spPr>
+          <a:xfrm>
+            <a:off x="875201" y="1354015"/>
+            <a:ext cx="10221424" cy="5240216"/>
+          </a:xfrm>
+        </p:spPr>
+        <p:txBody>
+          <a:bodyPr>
+            <a:normAutofit lnSpcReduction="10000"/>
+          </a:bodyPr>
           <a:lstStyle/>
           <a:p>
             <a:r>
+              <a:rPr lang="en-US" sz="1800" dirty="0" smtClean="0"/>
+              <a:t>Confirm </a:t>
+            </a:r>
+            <a:r>
+              <a:rPr lang="en-US" sz="1800" dirty="0"/>
+              <a:t>hnRNPK- miRNA </a:t>
+            </a:r>
+            <a:r>
+              <a:rPr lang="en-US" sz="1800" dirty="0" smtClean="0"/>
+              <a:t>interaction: optimized pull-down assays and further validations.</a:t>
+            </a:r>
+          </a:p>
+          <a:p>
+            <a:r>
+              <a:rPr lang="en-US" sz="1800" dirty="0" smtClean="0"/>
+              <a:t>Assess the link </a:t>
+            </a:r>
+            <a:r>
+              <a:rPr lang="en-US" sz="1800" dirty="0"/>
+              <a:t>between cavin-1 and hnRNPK </a:t>
+            </a:r>
+            <a:r>
+              <a:rPr lang="en-US" sz="1800" dirty="0" smtClean="0"/>
+              <a:t>activity: several hypotheses for this.</a:t>
+            </a:r>
+          </a:p>
+          <a:p>
+            <a:endParaRPr lang="en-US" sz="1800" dirty="0" smtClean="0"/>
+          </a:p>
+          <a:p>
+            <a:endParaRPr lang="en-US" sz="1800" dirty="0"/>
+          </a:p>
+          <a:p>
+            <a:endParaRPr lang="en-US" sz="1800" dirty="0" smtClean="0"/>
+          </a:p>
+          <a:p>
+            <a:endParaRPr lang="en-US" sz="1800" dirty="0"/>
+          </a:p>
+          <a:p>
+            <a:endParaRPr lang="en-US" sz="1800" dirty="0"/>
+          </a:p>
+          <a:p>
+            <a:endParaRPr lang="en-US" sz="1800" dirty="0" smtClean="0"/>
+          </a:p>
+          <a:p>
+            <a:endParaRPr lang="en-US" sz="1800" dirty="0" smtClean="0"/>
+          </a:p>
+          <a:p>
+            <a:endParaRPr lang="en-US" sz="1800" dirty="0" smtClean="0"/>
+          </a:p>
+          <a:p>
+            <a:r>
+              <a:rPr lang="en-US" sz="1800" dirty="0"/>
+              <a:t>S</a:t>
+            </a:r>
+            <a:r>
+              <a:rPr lang="en-US" sz="1800" dirty="0" smtClean="0"/>
+              <a:t>ignificance</a:t>
+            </a:r>
+            <a:r>
+              <a:rPr lang="en-US" sz="1800" dirty="0"/>
+              <a:t>: </a:t>
+            </a:r>
+            <a:endParaRPr lang="en-US" sz="1800" dirty="0" smtClean="0"/>
+          </a:p>
+          <a:p>
+            <a:pPr lvl="1"/>
+            <a:r>
+              <a:rPr lang="en-US" sz="1600" dirty="0" smtClean="0"/>
+              <a:t>Extracellular vesicle cargo regulation</a:t>
+            </a:r>
+          </a:p>
+          <a:p>
+            <a:pPr lvl="1"/>
+            <a:r>
+              <a:rPr lang="en-US" sz="1600" dirty="0" smtClean="0"/>
+              <a:t>microRNA regulation </a:t>
+            </a:r>
+          </a:p>
+          <a:p>
+            <a:pPr lvl="1"/>
+            <a:r>
+              <a:rPr lang="en-US" sz="1600" dirty="0" smtClean="0"/>
+              <a:t>Identification of underlying processes mediating advanced prostate cancer  progression.</a:t>
+            </a:r>
+            <a:endParaRPr lang="en-US" sz="1600" dirty="0"/>
+          </a:p>
+          <a:p>
+            <a:endParaRPr lang="en-US" dirty="0"/>
+          </a:p>
+          <a:p>
+            <a:endParaRPr lang="en-AU" dirty="0"/>
+          </a:p>
+        </p:txBody>
+      </p:sp>
+      <p:pic>
+        <p:nvPicPr>
+          <p:cNvPr id="6" name="Picture 5"/>
+          <p:cNvPicPr>
+            <a:picLocks noChangeAspect="1"/>
+          </p:cNvPicPr>
+          <p:nvPr/>
+        </p:nvPicPr>
+        <p:blipFill>
+          <a:blip r:embed="rId3"/>
+          <a:stretch>
+            <a:fillRect/>
+          </a:stretch>
+        </p:blipFill>
+        <p:spPr>
+          <a:xfrm>
+            <a:off x="1347787" y="2527777"/>
+            <a:ext cx="5497111" cy="2090738"/>
+          </a:xfrm>
+          <a:prstGeom prst="rect">
+            <a:avLst/>
+          </a:prstGeom>
+        </p:spPr>
+      </p:pic>
+      <p:sp>
+        <p:nvSpPr>
+          <p:cNvPr id="7" name="Rectangle 6"/>
+          <p:cNvSpPr/>
+          <p:nvPr/>
+        </p:nvSpPr>
+        <p:spPr>
+          <a:xfrm>
+            <a:off x="4613599" y="4361340"/>
+            <a:ext cx="1009650" cy="257175"/>
+          </a:xfrm>
+          <a:prstGeom prst="rect">
+            <a:avLst/>
+          </a:prstGeom>
+          <a:noFill/>
+          <a:ln w="38100">
+            <a:solidFill>
+              <a:srgbClr val="FF0000"/>
+            </a:solidFill>
+          </a:ln>
+        </p:spPr>
+        <p:style>
+          <a:lnRef idx="2">
+            <a:schemeClr val="accent1">
+              <a:shade val="50000"/>
+            </a:schemeClr>
+          </a:lnRef>
+          <a:fillRef idx="1">
+            <a:schemeClr val="accent1"/>
+          </a:fillRef>
+          <a:effectRef idx="0">
+            <a:schemeClr val="accent1"/>
+          </a:effectRef>
+          <a:fontRef idx="minor">
+            <a:schemeClr val="lt1"/>
+          </a:fontRef>
+        </p:style>
+        <p:txBody>
+          <a:bodyPr rtlCol="0" anchor="ctr"/>
+          <a:lstStyle/>
+          <a:p>
+            <a:pPr algn="ctr"/>
+            <a:endParaRPr lang="en-AU"/>
+          </a:p>
+        </p:txBody>
+      </p:sp>
+      <p:sp>
+        <p:nvSpPr>
+          <p:cNvPr id="8" name="TextBox 7"/>
+          <p:cNvSpPr txBox="1"/>
+          <p:nvPr/>
+        </p:nvSpPr>
+        <p:spPr>
+          <a:xfrm>
+            <a:off x="7002750" y="3136400"/>
+            <a:ext cx="3936022" cy="861774"/>
+          </a:xfrm>
+          <a:prstGeom prst="rect">
+            <a:avLst/>
+          </a:prstGeom>
+          <a:noFill/>
+        </p:spPr>
+        <p:txBody>
+          <a:bodyPr wrap="square" rtlCol="0">
+            <a:spAutoFit/>
+          </a:bodyPr>
+          <a:lstStyle/>
+          <a:p>
+            <a:r>
               <a:rPr lang="en-US" dirty="0" smtClean="0"/>
-              <a:t>Domain diagram for </a:t>
-            </a:r>
-            <a:r>
-              <a:rPr lang="en-US" dirty="0" err="1" smtClean="0"/>
-              <a:t>sumolyation</a:t>
+              <a:t>SUMO </a:t>
+            </a:r>
+            <a:r>
+              <a:rPr lang="en-AU" dirty="0">
+                <a:latin typeface="Wingdings 3" panose="05040102010807070707" pitchFamily="18" charset="2"/>
+              </a:rPr>
+              <a:t>a</a:t>
             </a:r>
             <a:r>
               <a:rPr lang="en-US" dirty="0" smtClean="0"/>
-              <a:t>. </a:t>
-            </a:r>
-          </a:p>
-          <a:p>
-            <a:r>
-              <a:rPr lang="en-US" dirty="0" smtClean="0"/>
-              <a:t>Biological significance: mechanistic relevance and disease progression. </a:t>
-            </a:r>
-          </a:p>
-          <a:p>
-            <a:endParaRPr lang="en-AU" dirty="0"/>
+              <a:t> Change in subcellular localization and binding of RNA.</a:t>
+            </a:r>
+          </a:p>
+          <a:p>
+            <a:pPr algn="r"/>
+            <a:r>
+              <a:rPr lang="en-US" sz="1400" dirty="0" smtClean="0"/>
+              <a:t>(Lee et al. 2012, </a:t>
+            </a:r>
+            <a:r>
+              <a:rPr lang="en-US" sz="1400" dirty="0" err="1" smtClean="0"/>
+              <a:t>Paziewska</a:t>
+            </a:r>
+            <a:r>
+              <a:rPr lang="en-US" sz="1400" dirty="0" smtClean="0"/>
+              <a:t> et al 2004)</a:t>
+            </a:r>
+            <a:endParaRPr lang="en-AU" sz="1400" dirty="0"/>
+          </a:p>
+        </p:txBody>
+      </p:sp>
+      <p:sp>
+        <p:nvSpPr>
+          <p:cNvPr id="9" name="TextBox 8"/>
+          <p:cNvSpPr txBox="1"/>
+          <p:nvPr/>
+        </p:nvSpPr>
+        <p:spPr>
+          <a:xfrm>
+            <a:off x="4401600" y="4618515"/>
+            <a:ext cx="2443298" cy="261610"/>
+          </a:xfrm>
+          <a:prstGeom prst="rect">
+            <a:avLst/>
+          </a:prstGeom>
+          <a:noFill/>
+        </p:spPr>
+        <p:txBody>
+          <a:bodyPr wrap="none" rtlCol="0">
+            <a:spAutoFit/>
+          </a:bodyPr>
+          <a:lstStyle/>
+          <a:p>
+            <a:r>
+              <a:rPr lang="en-US" sz="1100" dirty="0" smtClean="0"/>
+              <a:t>(Adapted from </a:t>
+            </a:r>
+            <a:r>
+              <a:rPr lang="en-US" sz="1100" dirty="0" err="1" smtClean="0"/>
+              <a:t>ScanProsite</a:t>
+            </a:r>
+            <a:r>
+              <a:rPr lang="en-US" sz="1100" dirty="0" smtClean="0"/>
+              <a:t> 2016)</a:t>
+            </a:r>
+            <a:endParaRPr lang="en-AU" sz="1100" dirty="0"/>
           </a:p>
         </p:txBody>
       </p:sp>
@@ -16223,6 +17106,13 @@
   <p:clrMapOvr>
     <a:masterClrMapping/>
   </p:clrMapOvr>
+  <p:timing>
+    <p:tnLst>
+      <p:par>
+        <p:cTn id="1" dur="indefinite" restart="never" nodeType="tmRoot"/>
+      </p:par>
+    </p:tnLst>
+  </p:timing>
 </p:sld>
 </file>
 
@@ -16253,14 +17143,19 @@
             <p:ph type="title"/>
           </p:nvPr>
         </p:nvSpPr>
-        <p:spPr/>
+        <p:spPr>
+          <a:xfrm>
+            <a:off x="645130" y="294456"/>
+            <a:ext cx="9404723" cy="1400530"/>
+          </a:xfrm>
+        </p:spPr>
         <p:txBody>
           <a:bodyPr/>
           <a:lstStyle/>
           <a:p>
             <a:r>
               <a:rPr lang="en-US" dirty="0" smtClean="0"/>
-              <a:t>ACKKNOWLDGEEMTNFDI</a:t>
+              <a:t>Acknowledgements</a:t>
             </a:r>
             <a:endParaRPr lang="en-AU" dirty="0"/>
           </a:p>
@@ -16276,15 +17171,257 @@
             <p:ph idx="1"/>
           </p:nvPr>
         </p:nvSpPr>
-        <p:spPr/>
-        <p:txBody>
-          <a:bodyPr/>
+        <p:spPr>
+          <a:xfrm>
+            <a:off x="928253" y="1694986"/>
+            <a:ext cx="4419238" cy="4195481"/>
+          </a:xfrm>
+        </p:spPr>
+        <p:txBody>
+          <a:bodyPr>
+            <a:normAutofit fontScale="92500" lnSpcReduction="10000"/>
+          </a:bodyPr>
           <a:lstStyle/>
           <a:p>
-            <a:endParaRPr lang="en-AU"/>
-          </a:p>
-        </p:txBody>
-      </p:sp>
+            <a:pPr marL="0" indent="0">
+              <a:buNone/>
+            </a:pPr>
+            <a:r>
+              <a:rPr lang="en-US" sz="2400" dirty="0" smtClean="0"/>
+              <a:t>Supervisors:</a:t>
+            </a:r>
+            <a:r>
+              <a:rPr lang="en-US" dirty="0" smtClean="0"/>
+              <a:t> Assoc. Prof Michelle Hill and Dr. </a:t>
+            </a:r>
+            <a:r>
+              <a:rPr lang="en-US" dirty="0" smtClean="0"/>
+              <a:t>Alex </a:t>
+            </a:r>
+            <a:r>
+              <a:rPr lang="en-US" dirty="0" err="1" smtClean="0"/>
+              <a:t>Cristino</a:t>
+            </a:r>
+            <a:endParaRPr lang="en-US" dirty="0" smtClean="0"/>
+          </a:p>
+          <a:p>
+            <a:pPr marL="0" indent="0">
+              <a:buNone/>
+            </a:pPr>
+            <a:endParaRPr lang="en-US" dirty="0" smtClean="0"/>
+          </a:p>
+          <a:p>
+            <a:pPr marL="0" indent="0">
+              <a:buNone/>
+            </a:pPr>
+            <a:r>
+              <a:rPr lang="en-US" sz="2400" dirty="0" smtClean="0"/>
+              <a:t>Hill Lab:</a:t>
+            </a:r>
+          </a:p>
+          <a:p>
+            <a:pPr>
+              <a:buFontTx/>
+              <a:buChar char="-"/>
+            </a:pPr>
+            <a:r>
+              <a:rPr lang="en-US" dirty="0" smtClean="0"/>
+              <a:t>Jayde </a:t>
+            </a:r>
+            <a:r>
+              <a:rPr lang="en-US" dirty="0" err="1" smtClean="0"/>
+              <a:t>Ruelcke</a:t>
+            </a:r>
+            <a:r>
+              <a:rPr lang="en-US" dirty="0" smtClean="0"/>
+              <a:t> </a:t>
+            </a:r>
+          </a:p>
+          <a:p>
+            <a:pPr>
+              <a:buFontTx/>
+              <a:buChar char="-"/>
+            </a:pPr>
+            <a:r>
+              <a:rPr lang="en-US" dirty="0" smtClean="0"/>
+              <a:t>Amanda Oliver (Former)</a:t>
+            </a:r>
+          </a:p>
+          <a:p>
+            <a:pPr marL="0" indent="0">
+              <a:buNone/>
+            </a:pPr>
+            <a:endParaRPr lang="en-US" dirty="0" smtClean="0"/>
+          </a:p>
+          <a:p>
+            <a:pPr marL="0" indent="0">
+              <a:buNone/>
+            </a:pPr>
+            <a:r>
+              <a:rPr lang="en-US" dirty="0" smtClean="0"/>
+              <a:t>UQDI microscopy facility</a:t>
+            </a:r>
+          </a:p>
+          <a:p>
+            <a:pPr marL="0" indent="0">
+              <a:buNone/>
+            </a:pPr>
+            <a:endParaRPr lang="en-US" dirty="0"/>
+          </a:p>
+          <a:p>
+            <a:pPr marL="0" indent="0">
+              <a:buNone/>
+            </a:pPr>
+            <a:r>
+              <a:rPr lang="en-US" dirty="0" smtClean="0"/>
+              <a:t>Nicole </a:t>
+            </a:r>
+            <a:r>
+              <a:rPr lang="en-US" dirty="0" err="1" smtClean="0"/>
+              <a:t>Cloonan</a:t>
+            </a:r>
+            <a:r>
+              <a:rPr lang="en-US" dirty="0"/>
+              <a:t> </a:t>
+            </a:r>
+            <a:r>
+              <a:rPr lang="en-US" dirty="0" smtClean="0"/>
+              <a:t>and Kerry </a:t>
+            </a:r>
+            <a:r>
+              <a:rPr lang="en-US" dirty="0" err="1" smtClean="0"/>
+              <a:t>Inder</a:t>
+            </a:r>
+            <a:r>
+              <a:rPr lang="en-US" dirty="0" smtClean="0"/>
+              <a:t> for RNA-</a:t>
+            </a:r>
+            <a:r>
+              <a:rPr lang="en-US" dirty="0" err="1" smtClean="0"/>
+              <a:t>seq</a:t>
+            </a:r>
+            <a:r>
+              <a:rPr lang="en-US" dirty="0" smtClean="0"/>
+              <a:t> and MS results. </a:t>
+            </a:r>
+          </a:p>
+          <a:p>
+            <a:pPr>
+              <a:buFontTx/>
+              <a:buChar char="-"/>
+            </a:pPr>
+            <a:endParaRPr lang="en-AU" dirty="0"/>
+          </a:p>
+        </p:txBody>
+      </p:sp>
+      <p:grpSp>
+        <p:nvGrpSpPr>
+          <p:cNvPr id="4" name="Group 3"/>
+          <p:cNvGrpSpPr/>
+          <p:nvPr/>
+        </p:nvGrpSpPr>
+        <p:grpSpPr>
+          <a:xfrm>
+            <a:off x="5630614" y="2139810"/>
+            <a:ext cx="5682686" cy="3305832"/>
+            <a:chOff x="4134057" y="2275465"/>
+            <a:chExt cx="5682686" cy="3305832"/>
+          </a:xfrm>
+        </p:grpSpPr>
+        <p:pic>
+          <p:nvPicPr>
+            <p:cNvPr id="5" name="Picture 1"/>
+            <p:cNvPicPr>
+              <a:picLocks noChangeAspect="1" noChangeArrowheads="1"/>
+            </p:cNvPicPr>
+            <p:nvPr/>
+          </p:nvPicPr>
+          <p:blipFill>
+            <a:blip r:embed="rId3" cstate="print"/>
+            <a:srcRect/>
+            <a:stretch>
+              <a:fillRect/>
+            </a:stretch>
+          </p:blipFill>
+          <p:spPr bwMode="auto">
+            <a:xfrm>
+              <a:off x="6226365" y="4213145"/>
+              <a:ext cx="2101754" cy="1368152"/>
+            </a:xfrm>
+            <a:prstGeom prst="rect">
+              <a:avLst/>
+            </a:prstGeom>
+            <a:noFill/>
+            <a:ln w="9525">
+              <a:noFill/>
+              <a:miter lim="800000"/>
+              <a:headEnd/>
+              <a:tailEnd/>
+            </a:ln>
+          </p:spPr>
+        </p:pic>
+        <p:pic>
+          <p:nvPicPr>
+            <p:cNvPr id="6" name="Picture 5" descr="https://www.uq.edu.au/diamantina/staff-intranet/docs/comms/UQDIBrandColour.jpg"/>
+            <p:cNvPicPr>
+              <a:picLocks noChangeAspect="1" noChangeArrowheads="1"/>
+            </p:cNvPicPr>
+            <p:nvPr/>
+          </p:nvPicPr>
+          <p:blipFill>
+            <a:blip r:embed="rId4" cstate="print"/>
+            <a:srcRect/>
+            <a:stretch>
+              <a:fillRect/>
+            </a:stretch>
+          </p:blipFill>
+          <p:spPr bwMode="auto">
+            <a:xfrm>
+              <a:off x="4650646" y="2275465"/>
+              <a:ext cx="4896544" cy="785488"/>
+            </a:xfrm>
+            <a:prstGeom prst="rect">
+              <a:avLst/>
+            </a:prstGeom>
+            <a:noFill/>
+            <a:ln>
+              <a:noFill/>
+            </a:ln>
+          </p:spPr>
+        </p:pic>
+        <p:pic>
+          <p:nvPicPr>
+            <p:cNvPr id="7" name="Picture 6"/>
+            <p:cNvPicPr>
+              <a:picLocks noChangeAspect="1" noChangeArrowheads="1"/>
+            </p:cNvPicPr>
+            <p:nvPr/>
+          </p:nvPicPr>
+          <p:blipFill>
+            <a:blip r:embed="rId5" cstate="print"/>
+            <a:srcRect/>
+            <a:stretch>
+              <a:fillRect/>
+            </a:stretch>
+          </p:blipFill>
+          <p:spPr bwMode="auto">
+            <a:xfrm>
+              <a:off x="4134057" y="3269757"/>
+              <a:ext cx="5682686" cy="792088"/>
+            </a:xfrm>
+            <a:prstGeom prst="rect">
+              <a:avLst/>
+            </a:prstGeom>
+            <a:noFill/>
+            <a:ln w="9525">
+              <a:noFill/>
+              <a:miter lim="800000"/>
+              <a:headEnd/>
+              <a:tailEnd/>
+            </a:ln>
+          </p:spPr>
+        </p:pic>
+      </p:grpSp>
     </p:spTree>
     <p:extLst>
       <p:ext uri="{BB962C8B-B14F-4D97-AF65-F5344CB8AC3E}">
@@ -16295,6 +17432,13 @@
   <p:clrMapOvr>
     <a:masterClrMapping/>
   </p:clrMapOvr>
+  <p:timing>
+    <p:tnLst>
+      <p:par>
+        <p:cTn id="1" dur="indefinite" restart="never" nodeType="tmRoot"/>
+      </p:par>
+    </p:tnLst>
+  </p:timing>
 </p:sld>
 </file>
 
@@ -16336,12 +17480,8 @@
           <a:lstStyle/>
           <a:p>
             <a:r>
-              <a:rPr lang="en-US" sz="3600" dirty="0" err="1"/>
-              <a:t>hnRNPK</a:t>
-            </a:r>
-            <a:r>
               <a:rPr lang="en-US" sz="3600" dirty="0"/>
-              <a:t> co-localizes with miR-148a, but does it bind?</a:t>
+              <a:t>hnRNPK co-localizes with miR-148a, but does it bind?</a:t>
             </a:r>
           </a:p>
         </p:txBody>
@@ -16368,15 +17508,7 @@
           <a:p>
             <a:r>
               <a:rPr lang="en-US" dirty="0" smtClean="0"/>
-              <a:t>Crosslinked immunoprecipitation: pull down </a:t>
-            </a:r>
-            <a:r>
-              <a:rPr lang="en-US" dirty="0" err="1" smtClean="0"/>
-              <a:t>hnRNPK</a:t>
-            </a:r>
-            <a:r>
-              <a:rPr lang="en-US" dirty="0" smtClean="0"/>
-              <a:t> and its binders, including RNA.</a:t>
+              <a:t>Crosslinked immunoprecipitation: pull down hnRNPK and its binders, including RNA.</a:t>
             </a:r>
           </a:p>
         </p:txBody>
@@ -16659,22 +17791,13 @@
                         </a:spcAft>
                       </a:pPr>
                       <a:r>
-                        <a:rPr lang="en-US" sz="2000" dirty="0" err="1">
-                          <a:effectLst/>
-                          <a:latin typeface="Century Gothic" panose="020B0502020202020204" pitchFamily="34" charset="0"/>
-                          <a:ea typeface="Calibri" panose="020F0502020204030204" pitchFamily="34" charset="0"/>
-                          <a:cs typeface="Times New Roman" panose="02020603050405020304" pitchFamily="18" charset="0"/>
-                        </a:rPr>
-                        <a:t>hnRNPK</a:t>
-                      </a:r>
-                      <a:r>
                         <a:rPr lang="en-US" sz="2000" dirty="0">
                           <a:effectLst/>
                           <a:latin typeface="Century Gothic" panose="020B0502020202020204" pitchFamily="34" charset="0"/>
                           <a:ea typeface="Calibri" panose="020F0502020204030204" pitchFamily="34" charset="0"/>
                           <a:cs typeface="Times New Roman" panose="02020603050405020304" pitchFamily="18" charset="0"/>
                         </a:rPr>
-                        <a:t> IP</a:t>
+                        <a:t>hnRNPK IP</a:t>
                       </a:r>
                       <a:endParaRPr lang="en-AU" sz="1600" dirty="0">
                         <a:effectLst/>
@@ -17446,12 +18569,8 @@
           <a:lstStyle/>
           <a:p>
             <a:r>
-              <a:rPr lang="en-US" dirty="0" err="1"/>
-              <a:t>hnRNPK</a:t>
-            </a:r>
-            <a:r>
               <a:rPr lang="en-US" dirty="0"/>
-              <a:t> IP</a:t>
+              <a:t>hnRNPK IP</a:t>
             </a:r>
             <a:endParaRPr lang="en-AU" dirty="0"/>
           </a:p>
@@ -17508,10 +18627,9 @@
           <a:lstStyle/>
           <a:p>
             <a:r>
-              <a:rPr lang="en-US" dirty="0" err="1" smtClean="0"/>
+              <a:rPr lang="en-US" dirty="0" smtClean="0"/>
               <a:t>hnRNPK</a:t>
             </a:r>
-            <a:endParaRPr lang="en-US" dirty="0" smtClean="0"/>
           </a:p>
           <a:p>
             <a:r>
@@ -18477,8 +19595,8 @@
         </p:nvSpPr>
         <p:spPr>
           <a:xfrm>
-            <a:off x="682622" y="1777048"/>
-            <a:ext cx="1301959" cy="369332"/>
+            <a:off x="700207" y="1777048"/>
+            <a:ext cx="1582484" cy="369332"/>
           </a:xfrm>
           <a:prstGeom prst="rect">
             <a:avLst/>
@@ -18492,21 +19610,34 @@
           <a:lstStyle/>
           <a:p>
             <a:r>
-              <a:rPr lang="en-AU" dirty="0" err="1" smtClean="0">
+              <a:rPr lang="en-AU" dirty="0" smtClean="0">
                 <a:solidFill>
                   <a:schemeClr val="bg1"/>
                 </a:solidFill>
               </a:rPr>
-              <a:t>Caveolin</a:t>
-            </a:r>
-            <a:r>
-              <a:rPr lang="en-AU" sz="1400" dirty="0">
+              <a:t>Caveolin </a:t>
+            </a:r>
+            <a:r>
+              <a:rPr lang="en-AU" sz="1400" dirty="0" smtClean="0">
                 <a:solidFill>
                   <a:schemeClr val="bg1"/>
                 </a:solidFill>
               </a:rPr>
               <a:t>+</a:t>
             </a:r>
+            <a:r>
+              <a:rPr lang="en-AU" sz="1400" dirty="0" err="1" smtClean="0">
+                <a:solidFill>
+                  <a:schemeClr val="bg1"/>
+                </a:solidFill>
+              </a:rPr>
+              <a:t>ve</a:t>
+            </a:r>
+            <a:endParaRPr lang="en-AU" sz="1400" dirty="0">
+              <a:solidFill>
+                <a:schemeClr val="bg1"/>
+              </a:solidFill>
+            </a:endParaRPr>
           </a:p>
         </p:txBody>
       </p:sp>
